--- a/Doc/IOCP.pptx
+++ b/Doc/IOCP.pptx
@@ -6,6 +6,20 @@
   </p:sldMasterIdLst>
   <p:sldIdLst>
     <p:sldId id="256" r:id="rId2"/>
+    <p:sldId id="257" r:id="rId3"/>
+    <p:sldId id="258" r:id="rId4"/>
+    <p:sldId id="259" r:id="rId5"/>
+    <p:sldId id="260" r:id="rId6"/>
+    <p:sldId id="261" r:id="rId7"/>
+    <p:sldId id="262" r:id="rId8"/>
+    <p:sldId id="269" r:id="rId9"/>
+    <p:sldId id="263" r:id="rId10"/>
+    <p:sldId id="264" r:id="rId11"/>
+    <p:sldId id="265" r:id="rId12"/>
+    <p:sldId id="266" r:id="rId13"/>
+    <p:sldId id="267" r:id="rId14"/>
+    <p:sldId id="268" r:id="rId15"/>
+    <p:sldId id="270" r:id="rId16"/>
   </p:sldIdLst>
   <p:sldSz cx="9144000" cy="6858000" type="screen4x3"/>
   <p:notesSz cx="6858000" cy="9144000"/>
@@ -288,7 +302,7 @@
           <a:p>
             <a:fld id="{530820CF-B880-4189-942D-D702A7CBA730}" type="datetimeFigureOut">
               <a:rPr lang="zh-CN" altLang="en-US" smtClean="0"/>
-              <a:t>2015/7/8</a:t>
+              <a:t>2015/7/13</a:t>
             </a:fld>
             <a:endParaRPr lang="zh-CN" altLang="en-US"/>
           </a:p>
@@ -453,7 +467,7 @@
           <a:p>
             <a:fld id="{530820CF-B880-4189-942D-D702A7CBA730}" type="datetimeFigureOut">
               <a:rPr lang="zh-CN" altLang="en-US" smtClean="0"/>
-              <a:t>2015/7/8</a:t>
+              <a:t>2015/7/13</a:t>
             </a:fld>
             <a:endParaRPr lang="zh-CN" altLang="en-US"/>
           </a:p>
@@ -628,7 +642,7 @@
           <a:p>
             <a:fld id="{530820CF-B880-4189-942D-D702A7CBA730}" type="datetimeFigureOut">
               <a:rPr lang="zh-CN" altLang="en-US" smtClean="0"/>
-              <a:t>2015/7/8</a:t>
+              <a:t>2015/7/13</a:t>
             </a:fld>
             <a:endParaRPr lang="zh-CN" altLang="en-US"/>
           </a:p>
@@ -793,7 +807,7 @@
           <a:p>
             <a:fld id="{530820CF-B880-4189-942D-D702A7CBA730}" type="datetimeFigureOut">
               <a:rPr lang="zh-CN" altLang="en-US" smtClean="0"/>
-              <a:t>2015/7/8</a:t>
+              <a:t>2015/7/13</a:t>
             </a:fld>
             <a:endParaRPr lang="zh-CN" altLang="en-US"/>
           </a:p>
@@ -1034,7 +1048,7 @@
           <a:p>
             <a:fld id="{530820CF-B880-4189-942D-D702A7CBA730}" type="datetimeFigureOut">
               <a:rPr lang="zh-CN" altLang="en-US" smtClean="0"/>
-              <a:t>2015/7/8</a:t>
+              <a:t>2015/7/13</a:t>
             </a:fld>
             <a:endParaRPr lang="zh-CN" altLang="en-US"/>
           </a:p>
@@ -1317,7 +1331,7 @@
           <a:p>
             <a:fld id="{530820CF-B880-4189-942D-D702A7CBA730}" type="datetimeFigureOut">
               <a:rPr lang="zh-CN" altLang="en-US" smtClean="0"/>
-              <a:t>2015/7/8</a:t>
+              <a:t>2015/7/13</a:t>
             </a:fld>
             <a:endParaRPr lang="zh-CN" altLang="en-US"/>
           </a:p>
@@ -1734,7 +1748,7 @@
           <a:p>
             <a:fld id="{530820CF-B880-4189-942D-D702A7CBA730}" type="datetimeFigureOut">
               <a:rPr lang="zh-CN" altLang="en-US" smtClean="0"/>
-              <a:t>2015/7/8</a:t>
+              <a:t>2015/7/13</a:t>
             </a:fld>
             <a:endParaRPr lang="zh-CN" altLang="en-US"/>
           </a:p>
@@ -1847,7 +1861,7 @@
           <a:p>
             <a:fld id="{530820CF-B880-4189-942D-D702A7CBA730}" type="datetimeFigureOut">
               <a:rPr lang="zh-CN" altLang="en-US" smtClean="0"/>
-              <a:t>2015/7/8</a:t>
+              <a:t>2015/7/13</a:t>
             </a:fld>
             <a:endParaRPr lang="zh-CN" altLang="en-US"/>
           </a:p>
@@ -1937,7 +1951,7 @@
           <a:p>
             <a:fld id="{530820CF-B880-4189-942D-D702A7CBA730}" type="datetimeFigureOut">
               <a:rPr lang="zh-CN" altLang="en-US" smtClean="0"/>
-              <a:t>2015/7/8</a:t>
+              <a:t>2015/7/13</a:t>
             </a:fld>
             <a:endParaRPr lang="zh-CN" altLang="en-US"/>
           </a:p>
@@ -2209,7 +2223,7 @@
           <a:p>
             <a:fld id="{530820CF-B880-4189-942D-D702A7CBA730}" type="datetimeFigureOut">
               <a:rPr lang="zh-CN" altLang="en-US" smtClean="0"/>
-              <a:t>2015/7/8</a:t>
+              <a:t>2015/7/13</a:t>
             </a:fld>
             <a:endParaRPr lang="zh-CN" altLang="en-US"/>
           </a:p>
@@ -2457,7 +2471,7 @@
           <a:p>
             <a:fld id="{530820CF-B880-4189-942D-D702A7CBA730}" type="datetimeFigureOut">
               <a:rPr lang="zh-CN" altLang="en-US" smtClean="0"/>
-              <a:t>2015/7/8</a:t>
+              <a:t>2015/7/13</a:t>
             </a:fld>
             <a:endParaRPr lang="zh-CN" altLang="en-US"/>
           </a:p>
@@ -2517,9 +2531,18 @@
 <p:sldMaster xmlns:a="http://schemas.openxmlformats.org/drawingml/2006/main" xmlns:r="http://schemas.openxmlformats.org/officeDocument/2006/relationships" xmlns:p="http://schemas.openxmlformats.org/presentationml/2006/main">
   <p:cSld>
     <p:bg>
-      <p:bgRef idx="1001">
-        <a:schemeClr val="bg1"/>
-      </p:bgRef>
+      <p:bgPr>
+        <a:blipFill dpi="0" rotWithShape="1">
+          <a:blip r:embed="rId13">
+            <a:lum/>
+          </a:blip>
+          <a:srcRect/>
+          <a:stretch>
+            <a:fillRect/>
+          </a:stretch>
+        </a:blipFill>
+        <a:effectLst/>
+      </p:bgPr>
     </p:bg>
     <p:spTree>
       <p:nvGrpSpPr>
@@ -2665,7 +2688,7 @@
           <a:p>
             <a:fld id="{530820CF-B880-4189-942D-D702A7CBA730}" type="datetimeFigureOut">
               <a:rPr lang="zh-CN" altLang="en-US" smtClean="0"/>
-              <a:t>2015/7/8</a:t>
+              <a:t>2015/7/13</a:t>
             </a:fld>
             <a:endParaRPr lang="zh-CN" altLang="en-US"/>
           </a:p>
@@ -3074,16 +3097,12 @@
           <a:lstStyle/>
           <a:p>
             <a:r>
-              <a:rPr lang="zh-CN" altLang="en-US" dirty="0" smtClean="0"/>
-              <a:t>使用</a:t>
-            </a:r>
-            <a:r>
               <a:rPr lang="en-US" altLang="zh-CN" dirty="0" smtClean="0"/>
               <a:t>IOCP</a:t>
             </a:r>
             <a:r>
               <a:rPr lang="zh-CN" altLang="en-US" dirty="0" smtClean="0"/>
-              <a:t>实现高并发服务器</a:t>
+              <a:t>网络开发</a:t>
             </a:r>
             <a:endParaRPr lang="zh-CN" altLang="en-US" dirty="0"/>
           </a:p>
@@ -3093,6 +3112,3326 @@
     <p:extLst>
       <p:ext uri="{BB962C8B-B14F-4D97-AF65-F5344CB8AC3E}">
         <p14:creationId xmlns:p14="http://schemas.microsoft.com/office/powerpoint/2010/main" val="2693873579"/>
+      </p:ext>
+    </p:extLst>
+  </p:cSld>
+  <p:clrMapOvr>
+    <a:masterClrMapping/>
+  </p:clrMapOvr>
+</p:sld>
+</file>
+
+<file path=ppt/slides/slide10.xml><?xml version="1.0" encoding="utf-8"?>
+<p:sld xmlns:a="http://schemas.openxmlformats.org/drawingml/2006/main" xmlns:r="http://schemas.openxmlformats.org/officeDocument/2006/relationships" xmlns:p="http://schemas.openxmlformats.org/presentationml/2006/main">
+  <p:cSld>
+    <p:spTree>
+      <p:nvGrpSpPr>
+        <p:cNvPr id="1" name=""/>
+        <p:cNvGrpSpPr/>
+        <p:nvPr/>
+      </p:nvGrpSpPr>
+      <p:grpSpPr>
+        <a:xfrm>
+          <a:off x="0" y="0"/>
+          <a:ext cx="0" cy="0"/>
+          <a:chOff x="0" y="0"/>
+          <a:chExt cx="0" cy="0"/>
+        </a:xfrm>
+      </p:grpSpPr>
+      <p:sp>
+        <p:nvSpPr>
+          <p:cNvPr id="2" name="标题 1"/>
+          <p:cNvSpPr>
+            <a:spLocks noGrp="1"/>
+          </p:cNvSpPr>
+          <p:nvPr>
+            <p:ph type="title"/>
+          </p:nvPr>
+        </p:nvSpPr>
+        <p:spPr/>
+        <p:txBody>
+          <a:bodyPr/>
+          <a:lstStyle/>
+          <a:p>
+            <a:r>
+              <a:rPr lang="en-US" altLang="zh-CN" dirty="0"/>
+              <a:t>IOCP—</a:t>
+            </a:r>
+            <a:r>
+              <a:rPr lang="zh-CN" altLang="en-US" dirty="0"/>
+              <a:t>接口说明</a:t>
+            </a:r>
+          </a:p>
+        </p:txBody>
+      </p:sp>
+      <p:sp>
+        <p:nvSpPr>
+          <p:cNvPr id="3" name="内容占位符 2"/>
+          <p:cNvSpPr>
+            <a:spLocks noGrp="1"/>
+          </p:cNvSpPr>
+          <p:nvPr>
+            <p:ph idx="1"/>
+          </p:nvPr>
+        </p:nvSpPr>
+        <p:spPr/>
+        <p:txBody>
+          <a:bodyPr>
+            <a:normAutofit/>
+          </a:bodyPr>
+          <a:lstStyle/>
+          <a:p>
+            <a:r>
+              <a:rPr lang="en-US" altLang="zh-CN" sz="2000" dirty="0" err="1"/>
+              <a:t>int</a:t>
+            </a:r>
+            <a:r>
+              <a:rPr lang="en-US" altLang="zh-CN" sz="2000" dirty="0"/>
+              <a:t> </a:t>
+            </a:r>
+            <a:r>
+              <a:rPr lang="en-US" altLang="zh-CN" sz="2000" dirty="0" err="1"/>
+              <a:t>WSAEventSelect</a:t>
+            </a:r>
+            <a:r>
+              <a:rPr lang="en-US" altLang="zh-CN" sz="2000" dirty="0"/>
+              <a:t>( </a:t>
+            </a:r>
+            <a:endParaRPr lang="en-US" altLang="zh-CN" sz="2000" dirty="0" smtClean="0"/>
+          </a:p>
+          <a:p>
+            <a:pPr marL="457200" lvl="1" indent="0">
+              <a:buNone/>
+            </a:pPr>
+            <a:r>
+              <a:rPr lang="en-US" altLang="zh-CN" sz="1600" dirty="0" smtClean="0"/>
+              <a:t>_</a:t>
+            </a:r>
+            <a:r>
+              <a:rPr lang="en-US" altLang="zh-CN" sz="1600" dirty="0"/>
+              <a:t>In_  SOCKET s, </a:t>
+            </a:r>
+            <a:endParaRPr lang="en-US" altLang="zh-CN" sz="1600" dirty="0" smtClean="0"/>
+          </a:p>
+          <a:p>
+            <a:pPr marL="457200" lvl="1" indent="0">
+              <a:buNone/>
+            </a:pPr>
+            <a:r>
+              <a:rPr lang="en-US" altLang="zh-CN" sz="1600" dirty="0" smtClean="0"/>
+              <a:t>_</a:t>
+            </a:r>
+            <a:r>
+              <a:rPr lang="en-US" altLang="zh-CN" sz="1600" dirty="0"/>
+              <a:t>In_  WSAEVENT </a:t>
+            </a:r>
+            <a:r>
+              <a:rPr lang="en-US" altLang="zh-CN" sz="1600" dirty="0" err="1"/>
+              <a:t>hEventObject</a:t>
+            </a:r>
+            <a:r>
+              <a:rPr lang="en-US" altLang="zh-CN" sz="1600" dirty="0"/>
+              <a:t>, </a:t>
+            </a:r>
+            <a:endParaRPr lang="en-US" altLang="zh-CN" sz="1600" dirty="0" smtClean="0"/>
+          </a:p>
+          <a:p>
+            <a:pPr marL="457200" lvl="1" indent="0">
+              <a:buNone/>
+            </a:pPr>
+            <a:r>
+              <a:rPr lang="en-US" altLang="zh-CN" sz="1600" dirty="0" smtClean="0"/>
+              <a:t>_</a:t>
+            </a:r>
+            <a:r>
+              <a:rPr lang="en-US" altLang="zh-CN" sz="1600" dirty="0"/>
+              <a:t>In_  long </a:t>
+            </a:r>
+            <a:r>
+              <a:rPr lang="en-US" altLang="zh-CN" sz="1600" dirty="0" err="1" smtClean="0"/>
+              <a:t>lNetworkEvents</a:t>
+            </a:r>
+            <a:r>
+              <a:rPr lang="en-US" altLang="zh-CN" sz="1600" dirty="0" smtClean="0"/>
+              <a:t> );</a:t>
+            </a:r>
+          </a:p>
+          <a:p>
+            <a:pPr marL="457200" lvl="1" indent="0">
+              <a:buNone/>
+            </a:pPr>
+            <a:endParaRPr lang="en-US" altLang="zh-CN" sz="1600" dirty="0"/>
+          </a:p>
+          <a:p>
+            <a:pPr marL="457200" lvl="1" indent="0">
+              <a:buNone/>
+            </a:pPr>
+            <a:r>
+              <a:rPr lang="zh-CN" altLang="en-US" sz="1600" dirty="0" smtClean="0"/>
+              <a:t>网络连接</a:t>
+            </a:r>
+            <a:r>
+              <a:rPr lang="en-US" altLang="zh-CN" sz="1600" dirty="0" smtClean="0"/>
+              <a:t>s</a:t>
+            </a:r>
+            <a:r>
+              <a:rPr lang="zh-CN" altLang="en-US" sz="1600" dirty="0" smtClean="0"/>
+              <a:t>通过事件</a:t>
+            </a:r>
+            <a:r>
+              <a:rPr lang="en-US" altLang="zh-CN" sz="1600" dirty="0" err="1" smtClean="0"/>
+              <a:t>hEventObject</a:t>
+            </a:r>
+            <a:r>
+              <a:rPr lang="zh-CN" altLang="en-US" sz="1600" dirty="0" smtClean="0"/>
+              <a:t>监听</a:t>
+            </a:r>
+            <a:r>
+              <a:rPr lang="en-US" altLang="zh-CN" sz="1600" dirty="0" err="1" smtClean="0"/>
+              <a:t>lNetworkEvents</a:t>
+            </a:r>
+            <a:r>
+              <a:rPr lang="zh-CN" altLang="en-US" sz="1600" dirty="0" smtClean="0"/>
+              <a:t>事件</a:t>
+            </a:r>
+            <a:endParaRPr lang="en-US" altLang="zh-CN" sz="1600" dirty="0" smtClean="0"/>
+          </a:p>
+          <a:p>
+            <a:pPr marL="457200" lvl="1" indent="0">
+              <a:buNone/>
+            </a:pPr>
+            <a:endParaRPr lang="en-US" altLang="zh-CN" sz="1600" dirty="0"/>
+          </a:p>
+          <a:p>
+            <a:pPr marL="457200" lvl="1" indent="0">
+              <a:buNone/>
+            </a:pPr>
+            <a:r>
+              <a:rPr lang="zh-CN" altLang="en-US" sz="1600" dirty="0"/>
+              <a:t>三者关联成功则返回</a:t>
+            </a:r>
+            <a:r>
+              <a:rPr lang="en-US" altLang="zh-CN" sz="1600" dirty="0"/>
+              <a:t>0</a:t>
+            </a:r>
+            <a:r>
+              <a:rPr lang="zh-CN" altLang="en-US" sz="1600" dirty="0"/>
+              <a:t>，否则返回</a:t>
+            </a:r>
+            <a:r>
+              <a:rPr lang="en-US" altLang="zh-CN" sz="1600" i="1" dirty="0"/>
+              <a:t>SOCKET_ERROR</a:t>
+            </a:r>
+            <a:r>
+              <a:rPr lang="zh-CN" altLang="en-US" sz="1600" i="1" dirty="0"/>
+              <a:t>，</a:t>
+            </a:r>
+            <a:r>
+              <a:rPr lang="zh-CN" altLang="en-US" sz="1600" dirty="0"/>
+              <a:t>错误码可以通过</a:t>
+            </a:r>
+            <a:r>
+              <a:rPr lang="en-US" altLang="zh-CN" sz="1600" dirty="0" err="1"/>
+              <a:t>WSAGetLastError</a:t>
+            </a:r>
+            <a:r>
+              <a:rPr lang="zh-CN" altLang="en-US" sz="1600" dirty="0"/>
+              <a:t>获取。</a:t>
+            </a:r>
+            <a:endParaRPr lang="en-US" altLang="zh-CN" sz="1600" dirty="0" smtClean="0"/>
+          </a:p>
+        </p:txBody>
+      </p:sp>
+    </p:spTree>
+    <p:extLst>
+      <p:ext uri="{BB962C8B-B14F-4D97-AF65-F5344CB8AC3E}">
+        <p14:creationId xmlns:p14="http://schemas.microsoft.com/office/powerpoint/2010/main" val="1982679716"/>
+      </p:ext>
+    </p:extLst>
+  </p:cSld>
+  <p:clrMapOvr>
+    <a:masterClrMapping/>
+  </p:clrMapOvr>
+</p:sld>
+</file>
+
+<file path=ppt/slides/slide11.xml><?xml version="1.0" encoding="utf-8"?>
+<p:sld xmlns:a="http://schemas.openxmlformats.org/drawingml/2006/main" xmlns:r="http://schemas.openxmlformats.org/officeDocument/2006/relationships" xmlns:p="http://schemas.openxmlformats.org/presentationml/2006/main">
+  <p:cSld>
+    <p:spTree>
+      <p:nvGrpSpPr>
+        <p:cNvPr id="1" name=""/>
+        <p:cNvGrpSpPr/>
+        <p:nvPr/>
+      </p:nvGrpSpPr>
+      <p:grpSpPr>
+        <a:xfrm>
+          <a:off x="0" y="0"/>
+          <a:ext cx="0" cy="0"/>
+          <a:chOff x="0" y="0"/>
+          <a:chExt cx="0" cy="0"/>
+        </a:xfrm>
+      </p:grpSpPr>
+      <p:sp>
+        <p:nvSpPr>
+          <p:cNvPr id="2" name="标题 1"/>
+          <p:cNvSpPr>
+            <a:spLocks noGrp="1"/>
+          </p:cNvSpPr>
+          <p:nvPr>
+            <p:ph type="title"/>
+          </p:nvPr>
+        </p:nvSpPr>
+        <p:spPr/>
+        <p:txBody>
+          <a:bodyPr/>
+          <a:lstStyle/>
+          <a:p>
+            <a:r>
+              <a:rPr lang="en-US" altLang="zh-CN" dirty="0"/>
+              <a:t>IOCP—</a:t>
+            </a:r>
+            <a:r>
+              <a:rPr lang="zh-CN" altLang="en-US" dirty="0"/>
+              <a:t>接口说明</a:t>
+            </a:r>
+          </a:p>
+        </p:txBody>
+      </p:sp>
+      <p:sp>
+        <p:nvSpPr>
+          <p:cNvPr id="3" name="内容占位符 2"/>
+          <p:cNvSpPr>
+            <a:spLocks noGrp="1"/>
+          </p:cNvSpPr>
+          <p:nvPr>
+            <p:ph idx="1"/>
+          </p:nvPr>
+        </p:nvSpPr>
+        <p:spPr/>
+        <p:txBody>
+          <a:bodyPr>
+            <a:normAutofit/>
+          </a:bodyPr>
+          <a:lstStyle/>
+          <a:p>
+            <a:pPr marL="0" indent="0">
+              <a:buNone/>
+            </a:pPr>
+            <a:r>
+              <a:rPr lang="en-US" altLang="zh-CN" sz="2000" dirty="0"/>
+              <a:t>SOCKET </a:t>
+            </a:r>
+            <a:r>
+              <a:rPr lang="en-US" altLang="zh-CN" sz="2000" dirty="0" err="1"/>
+              <a:t>WSASocket</a:t>
+            </a:r>
+            <a:r>
+              <a:rPr lang="en-US" altLang="zh-CN" sz="2000" dirty="0" smtClean="0"/>
+              <a:t>(</a:t>
+            </a:r>
+            <a:endParaRPr lang="en-US" altLang="zh-CN" sz="2000" dirty="0"/>
+          </a:p>
+          <a:p>
+            <a:pPr marL="0" indent="0">
+              <a:buNone/>
+            </a:pPr>
+            <a:r>
+              <a:rPr lang="en-US" altLang="zh-CN" sz="2000" dirty="0" smtClean="0"/>
+              <a:t>_</a:t>
+            </a:r>
+            <a:r>
+              <a:rPr lang="en-US" altLang="zh-CN" sz="2000" dirty="0"/>
+              <a:t>In_  </a:t>
+            </a:r>
+            <a:r>
+              <a:rPr lang="en-US" altLang="zh-CN" sz="2000" dirty="0" err="1"/>
+              <a:t>int</a:t>
+            </a:r>
+            <a:r>
+              <a:rPr lang="en-US" altLang="zh-CN" sz="2000" dirty="0"/>
+              <a:t> </a:t>
+            </a:r>
+            <a:r>
+              <a:rPr lang="en-US" altLang="zh-CN" sz="2000" dirty="0" err="1"/>
+              <a:t>af</a:t>
+            </a:r>
+            <a:r>
+              <a:rPr lang="en-US" altLang="zh-CN" sz="2000" dirty="0"/>
+              <a:t>, </a:t>
+            </a:r>
+            <a:endParaRPr lang="en-US" altLang="zh-CN" sz="2000" dirty="0" smtClean="0"/>
+          </a:p>
+          <a:p>
+            <a:pPr marL="0" indent="0">
+              <a:buNone/>
+            </a:pPr>
+            <a:r>
+              <a:rPr lang="en-US" altLang="zh-CN" sz="2000" dirty="0" smtClean="0"/>
+              <a:t>_</a:t>
+            </a:r>
+            <a:r>
+              <a:rPr lang="en-US" altLang="zh-CN" sz="2000" dirty="0"/>
+              <a:t>In_  </a:t>
+            </a:r>
+            <a:r>
+              <a:rPr lang="en-US" altLang="zh-CN" sz="2000" dirty="0" err="1"/>
+              <a:t>int</a:t>
+            </a:r>
+            <a:r>
+              <a:rPr lang="en-US" altLang="zh-CN" sz="2000" dirty="0"/>
+              <a:t> type</a:t>
+            </a:r>
+            <a:r>
+              <a:rPr lang="en-US" altLang="zh-CN" sz="2000" dirty="0" smtClean="0"/>
+              <a:t>,</a:t>
+            </a:r>
+          </a:p>
+          <a:p>
+            <a:pPr marL="0" indent="0">
+              <a:buNone/>
+            </a:pPr>
+            <a:r>
+              <a:rPr lang="en-US" altLang="zh-CN" sz="2000" dirty="0" smtClean="0"/>
+              <a:t>_</a:t>
+            </a:r>
+            <a:r>
+              <a:rPr lang="en-US" altLang="zh-CN" sz="2000" dirty="0"/>
+              <a:t>In_  </a:t>
+            </a:r>
+            <a:r>
+              <a:rPr lang="en-US" altLang="zh-CN" sz="2000" dirty="0" err="1"/>
+              <a:t>int</a:t>
+            </a:r>
+            <a:r>
+              <a:rPr lang="en-US" altLang="zh-CN" sz="2000" dirty="0"/>
+              <a:t> protocol</a:t>
+            </a:r>
+            <a:r>
+              <a:rPr lang="en-US" altLang="zh-CN" sz="2000" dirty="0" smtClean="0"/>
+              <a:t>,</a:t>
+            </a:r>
+          </a:p>
+          <a:p>
+            <a:pPr marL="0" indent="0">
+              <a:buNone/>
+            </a:pPr>
+            <a:r>
+              <a:rPr lang="en-US" altLang="zh-CN" sz="2000" dirty="0" smtClean="0"/>
+              <a:t>_</a:t>
+            </a:r>
+            <a:r>
+              <a:rPr lang="en-US" altLang="zh-CN" sz="2000" dirty="0"/>
+              <a:t>In_  LPWSAPROTOCOL_INFO </a:t>
+            </a:r>
+            <a:r>
+              <a:rPr lang="en-US" altLang="zh-CN" sz="2000" dirty="0" err="1"/>
+              <a:t>lpProtocolInfo</a:t>
+            </a:r>
+            <a:r>
+              <a:rPr lang="en-US" altLang="zh-CN" sz="2000" dirty="0" smtClean="0"/>
+              <a:t>,</a:t>
+            </a:r>
+          </a:p>
+          <a:p>
+            <a:pPr marL="0" indent="0">
+              <a:buNone/>
+            </a:pPr>
+            <a:r>
+              <a:rPr lang="en-US" altLang="zh-CN" sz="2000" dirty="0" smtClean="0"/>
+              <a:t>_</a:t>
+            </a:r>
+            <a:r>
+              <a:rPr lang="en-US" altLang="zh-CN" sz="2000" dirty="0"/>
+              <a:t>In_  GROUP g</a:t>
+            </a:r>
+            <a:r>
+              <a:rPr lang="en-US" altLang="zh-CN" sz="2000" dirty="0" smtClean="0"/>
+              <a:t>,</a:t>
+            </a:r>
+          </a:p>
+          <a:p>
+            <a:pPr marL="0" indent="0">
+              <a:buNone/>
+            </a:pPr>
+            <a:r>
+              <a:rPr lang="en-US" altLang="zh-CN" sz="2000" dirty="0" smtClean="0"/>
+              <a:t>_</a:t>
+            </a:r>
+            <a:r>
+              <a:rPr lang="en-US" altLang="zh-CN" sz="2000" dirty="0"/>
+              <a:t>In_  DWORD </a:t>
+            </a:r>
+            <a:r>
+              <a:rPr lang="en-US" altLang="zh-CN" sz="2000" dirty="0" err="1"/>
+              <a:t>dwFlags</a:t>
+            </a:r>
+            <a:r>
+              <a:rPr lang="en-US" altLang="zh-CN" sz="2000" dirty="0" smtClean="0"/>
+              <a:t>);</a:t>
+            </a:r>
+          </a:p>
+          <a:p>
+            <a:pPr marL="457200" lvl="1" indent="0">
+              <a:buFont typeface="Arial" pitchFamily="34" charset="0"/>
+              <a:buNone/>
+            </a:pPr>
+            <a:endParaRPr lang="en-US" altLang="zh-CN" sz="2000" dirty="0"/>
+          </a:p>
+          <a:p>
+            <a:pPr marL="0" indent="0">
+              <a:buNone/>
+            </a:pPr>
+            <a:r>
+              <a:rPr lang="zh-CN" altLang="en-US" sz="2000" dirty="0" smtClean="0"/>
+              <a:t>最后一个参数设置为</a:t>
+            </a:r>
+            <a:r>
+              <a:rPr lang="en-US" altLang="zh-CN" sz="2000" b="1" dirty="0" smtClean="0"/>
+              <a:t>WSA_FLAG_OVERLAPPED</a:t>
+            </a:r>
+            <a:r>
+              <a:rPr lang="zh-CN" altLang="en-US" sz="2000" b="1" dirty="0" smtClean="0"/>
+              <a:t>，</a:t>
+            </a:r>
+            <a:r>
+              <a:rPr lang="zh-CN" altLang="en-US" sz="2000" dirty="0" smtClean="0"/>
+              <a:t>后续</a:t>
+            </a:r>
+            <a:r>
+              <a:rPr lang="en-US" altLang="zh-CN" sz="2000" b="1" dirty="0" err="1" smtClean="0"/>
+              <a:t>WSASend</a:t>
+            </a:r>
+            <a:r>
+              <a:rPr lang="zh-CN" altLang="en-US" sz="2000" dirty="0" smtClean="0"/>
+              <a:t>和</a:t>
+            </a:r>
+            <a:r>
+              <a:rPr lang="en-US" altLang="zh-CN" sz="2000" b="1" dirty="0" err="1" smtClean="0"/>
+              <a:t>WSARecv</a:t>
+            </a:r>
+            <a:r>
+              <a:rPr lang="zh-CN" altLang="en-US" sz="2000" dirty="0" smtClean="0"/>
+              <a:t>可以使用重叠结构</a:t>
+            </a:r>
+            <a:r>
+              <a:rPr lang="zh-CN" altLang="en-US" sz="2000" b="1" dirty="0" smtClean="0"/>
+              <a:t>。</a:t>
+            </a:r>
+            <a:endParaRPr lang="en-US" altLang="zh-CN" sz="2000" dirty="0"/>
+          </a:p>
+          <a:p>
+            <a:endParaRPr lang="zh-CN" altLang="en-US" dirty="0"/>
+          </a:p>
+        </p:txBody>
+      </p:sp>
+    </p:spTree>
+    <p:extLst>
+      <p:ext uri="{BB962C8B-B14F-4D97-AF65-F5344CB8AC3E}">
+        <p14:creationId xmlns:p14="http://schemas.microsoft.com/office/powerpoint/2010/main" val="1014439803"/>
+      </p:ext>
+    </p:extLst>
+  </p:cSld>
+  <p:clrMapOvr>
+    <a:masterClrMapping/>
+  </p:clrMapOvr>
+</p:sld>
+</file>
+
+<file path=ppt/slides/slide12.xml><?xml version="1.0" encoding="utf-8"?>
+<p:sld xmlns:a="http://schemas.openxmlformats.org/drawingml/2006/main" xmlns:r="http://schemas.openxmlformats.org/officeDocument/2006/relationships" xmlns:p="http://schemas.openxmlformats.org/presentationml/2006/main">
+  <p:cSld>
+    <p:spTree>
+      <p:nvGrpSpPr>
+        <p:cNvPr id="1" name=""/>
+        <p:cNvGrpSpPr/>
+        <p:nvPr/>
+      </p:nvGrpSpPr>
+      <p:grpSpPr>
+        <a:xfrm>
+          <a:off x="0" y="0"/>
+          <a:ext cx="0" cy="0"/>
+          <a:chOff x="0" y="0"/>
+          <a:chExt cx="0" cy="0"/>
+        </a:xfrm>
+      </p:grpSpPr>
+      <p:sp>
+        <p:nvSpPr>
+          <p:cNvPr id="2" name="标题 1"/>
+          <p:cNvSpPr>
+            <a:spLocks noGrp="1"/>
+          </p:cNvSpPr>
+          <p:nvPr>
+            <p:ph type="title"/>
+          </p:nvPr>
+        </p:nvSpPr>
+        <p:spPr/>
+        <p:txBody>
+          <a:bodyPr/>
+          <a:lstStyle/>
+          <a:p>
+            <a:r>
+              <a:rPr lang="en-US" altLang="zh-CN" dirty="0"/>
+              <a:t>IOCP—</a:t>
+            </a:r>
+            <a:r>
+              <a:rPr lang="zh-CN" altLang="en-US" dirty="0"/>
+              <a:t>接口说明</a:t>
+            </a:r>
+          </a:p>
+        </p:txBody>
+      </p:sp>
+      <p:sp>
+        <p:nvSpPr>
+          <p:cNvPr id="3" name="内容占位符 2"/>
+          <p:cNvSpPr>
+            <a:spLocks noGrp="1"/>
+          </p:cNvSpPr>
+          <p:nvPr>
+            <p:ph idx="1"/>
+          </p:nvPr>
+        </p:nvSpPr>
+        <p:spPr/>
+        <p:txBody>
+          <a:bodyPr>
+            <a:normAutofit/>
+          </a:bodyPr>
+          <a:lstStyle/>
+          <a:p>
+            <a:pPr marL="0" indent="0">
+              <a:buNone/>
+            </a:pPr>
+            <a:r>
+              <a:rPr lang="en-US" altLang="zh-CN" sz="2000" dirty="0"/>
+              <a:t>BOOL </a:t>
+            </a:r>
+            <a:r>
+              <a:rPr lang="en-US" altLang="zh-CN" sz="2000" dirty="0" err="1"/>
+              <a:t>AcceptEx</a:t>
+            </a:r>
+            <a:r>
+              <a:rPr lang="en-US" altLang="zh-CN" sz="2000" dirty="0"/>
+              <a:t>(</a:t>
+            </a:r>
+          </a:p>
+          <a:p>
+            <a:pPr marL="0" indent="0">
+              <a:buNone/>
+            </a:pPr>
+            <a:r>
+              <a:rPr lang="en-US" altLang="zh-CN" sz="2000" dirty="0" smtClean="0"/>
+              <a:t>_</a:t>
+            </a:r>
+            <a:r>
+              <a:rPr lang="en-US" altLang="zh-CN" sz="2000" dirty="0"/>
+              <a:t>In_   SOCKET </a:t>
+            </a:r>
+            <a:r>
+              <a:rPr lang="en-US" altLang="zh-CN" sz="2000" dirty="0" err="1"/>
+              <a:t>sListenSocket</a:t>
+            </a:r>
+            <a:r>
+              <a:rPr lang="en-US" altLang="zh-CN" sz="2000" dirty="0"/>
+              <a:t>,</a:t>
+            </a:r>
+          </a:p>
+          <a:p>
+            <a:pPr marL="0" indent="0">
+              <a:buNone/>
+            </a:pPr>
+            <a:r>
+              <a:rPr lang="en-US" altLang="zh-CN" sz="2000" dirty="0" smtClean="0"/>
+              <a:t>_</a:t>
+            </a:r>
+            <a:r>
+              <a:rPr lang="en-US" altLang="zh-CN" sz="2000" dirty="0"/>
+              <a:t>In_   SOCKET </a:t>
+            </a:r>
+            <a:r>
+              <a:rPr lang="en-US" altLang="zh-CN" sz="2000" dirty="0" err="1"/>
+              <a:t>sAcceptSocket</a:t>
+            </a:r>
+            <a:r>
+              <a:rPr lang="en-US" altLang="zh-CN" sz="2000" dirty="0"/>
+              <a:t>,</a:t>
+            </a:r>
+          </a:p>
+          <a:p>
+            <a:pPr marL="0" indent="0">
+              <a:buNone/>
+            </a:pPr>
+            <a:r>
+              <a:rPr lang="en-US" altLang="zh-CN" sz="2000" dirty="0" smtClean="0"/>
+              <a:t>_</a:t>
+            </a:r>
+            <a:r>
+              <a:rPr lang="en-US" altLang="zh-CN" sz="2000" dirty="0"/>
+              <a:t>In_   PVOID </a:t>
+            </a:r>
+            <a:r>
+              <a:rPr lang="en-US" altLang="zh-CN" sz="2000" dirty="0" err="1"/>
+              <a:t>lpOutputBuffer</a:t>
+            </a:r>
+            <a:r>
+              <a:rPr lang="en-US" altLang="zh-CN" sz="2000" dirty="0"/>
+              <a:t>,</a:t>
+            </a:r>
+          </a:p>
+          <a:p>
+            <a:pPr marL="0" indent="0">
+              <a:buNone/>
+            </a:pPr>
+            <a:r>
+              <a:rPr lang="en-US" altLang="zh-CN" sz="2000" dirty="0" smtClean="0"/>
+              <a:t>_</a:t>
+            </a:r>
+            <a:r>
+              <a:rPr lang="en-US" altLang="zh-CN" sz="2000" dirty="0"/>
+              <a:t>In_   DWORD </a:t>
+            </a:r>
+            <a:r>
+              <a:rPr lang="en-US" altLang="zh-CN" sz="2000" dirty="0" err="1"/>
+              <a:t>dwReceiveDataLength</a:t>
+            </a:r>
+            <a:r>
+              <a:rPr lang="en-US" altLang="zh-CN" sz="2000" dirty="0"/>
+              <a:t>,</a:t>
+            </a:r>
+          </a:p>
+          <a:p>
+            <a:pPr marL="0" indent="0">
+              <a:buNone/>
+            </a:pPr>
+            <a:r>
+              <a:rPr lang="en-US" altLang="zh-CN" sz="2000" dirty="0" smtClean="0"/>
+              <a:t>_</a:t>
+            </a:r>
+            <a:r>
+              <a:rPr lang="en-US" altLang="zh-CN" sz="2000" dirty="0"/>
+              <a:t>In_   DWORD </a:t>
+            </a:r>
+            <a:r>
+              <a:rPr lang="en-US" altLang="zh-CN" sz="2000" dirty="0" err="1"/>
+              <a:t>dwLocalAddressLength</a:t>
+            </a:r>
+            <a:r>
+              <a:rPr lang="en-US" altLang="zh-CN" sz="2000" dirty="0" smtClean="0"/>
+              <a:t>,</a:t>
+            </a:r>
+          </a:p>
+          <a:p>
+            <a:pPr marL="0" indent="0">
+              <a:buNone/>
+            </a:pPr>
+            <a:r>
+              <a:rPr lang="en-US" altLang="zh-CN" sz="2000" dirty="0" smtClean="0"/>
+              <a:t>_</a:t>
+            </a:r>
+            <a:r>
+              <a:rPr lang="en-US" altLang="zh-CN" sz="2000" dirty="0"/>
+              <a:t>In_   DWORD </a:t>
+            </a:r>
+            <a:r>
+              <a:rPr lang="en-US" altLang="zh-CN" sz="2000" dirty="0" err="1"/>
+              <a:t>dwRemoteAddressLength</a:t>
+            </a:r>
+            <a:r>
+              <a:rPr lang="en-US" altLang="zh-CN" sz="2000" dirty="0"/>
+              <a:t>,</a:t>
+            </a:r>
+          </a:p>
+          <a:p>
+            <a:pPr marL="0" indent="0">
+              <a:buNone/>
+            </a:pPr>
+            <a:r>
+              <a:rPr lang="en-US" altLang="zh-CN" sz="2000" dirty="0" smtClean="0"/>
+              <a:t>_</a:t>
+            </a:r>
+            <a:r>
+              <a:rPr lang="en-US" altLang="zh-CN" sz="2000" dirty="0"/>
+              <a:t>Out_  LPDWORD </a:t>
+            </a:r>
+            <a:r>
+              <a:rPr lang="en-US" altLang="zh-CN" sz="2000" dirty="0" err="1"/>
+              <a:t>lpdwBytesReceived</a:t>
+            </a:r>
+            <a:r>
+              <a:rPr lang="en-US" altLang="zh-CN" sz="2000" dirty="0"/>
+              <a:t>,</a:t>
+            </a:r>
+          </a:p>
+          <a:p>
+            <a:pPr marL="0" indent="0">
+              <a:buNone/>
+            </a:pPr>
+            <a:r>
+              <a:rPr lang="en-US" altLang="zh-CN" sz="2000" dirty="0" smtClean="0"/>
+              <a:t>_</a:t>
+            </a:r>
+            <a:r>
+              <a:rPr lang="en-US" altLang="zh-CN" sz="2000" dirty="0"/>
+              <a:t>In_   LPOVERLAPPED </a:t>
+            </a:r>
+            <a:r>
+              <a:rPr lang="en-US" altLang="zh-CN" sz="2000" dirty="0" err="1"/>
+              <a:t>lpOverlapped</a:t>
+            </a:r>
+            <a:r>
+              <a:rPr lang="en-US" altLang="zh-CN" sz="2000" dirty="0" smtClean="0"/>
+              <a:t>);</a:t>
+            </a:r>
+          </a:p>
+          <a:p>
+            <a:pPr marL="0" indent="0">
+              <a:buNone/>
+            </a:pPr>
+            <a:endParaRPr lang="en-US" altLang="zh-CN" sz="2000" dirty="0"/>
+          </a:p>
+          <a:p>
+            <a:pPr marL="0" indent="0">
+              <a:buNone/>
+            </a:pPr>
+            <a:r>
+              <a:rPr lang="zh-CN" altLang="en-US" sz="2000" dirty="0" smtClean="0"/>
+              <a:t>给完成端口中添加一个预创建的</a:t>
+            </a:r>
+            <a:r>
+              <a:rPr lang="en-US" altLang="zh-CN" sz="2000" dirty="0" smtClean="0"/>
+              <a:t>Socket</a:t>
+            </a:r>
+            <a:r>
+              <a:rPr lang="zh-CN" altLang="en-US" sz="2000" dirty="0" smtClean="0"/>
+              <a:t>，用来接收新连接。</a:t>
+            </a:r>
+            <a:endParaRPr lang="zh-CN" altLang="en-US" sz="2000" dirty="0"/>
+          </a:p>
+        </p:txBody>
+      </p:sp>
+    </p:spTree>
+    <p:extLst>
+      <p:ext uri="{BB962C8B-B14F-4D97-AF65-F5344CB8AC3E}">
+        <p14:creationId xmlns:p14="http://schemas.microsoft.com/office/powerpoint/2010/main" val="1317334373"/>
+      </p:ext>
+    </p:extLst>
+  </p:cSld>
+  <p:clrMapOvr>
+    <a:masterClrMapping/>
+  </p:clrMapOvr>
+</p:sld>
+</file>
+
+<file path=ppt/slides/slide13.xml><?xml version="1.0" encoding="utf-8"?>
+<p:sld xmlns:a="http://schemas.openxmlformats.org/drawingml/2006/main" xmlns:r="http://schemas.openxmlformats.org/officeDocument/2006/relationships" xmlns:p="http://schemas.openxmlformats.org/presentationml/2006/main">
+  <p:cSld>
+    <p:spTree>
+      <p:nvGrpSpPr>
+        <p:cNvPr id="1" name=""/>
+        <p:cNvGrpSpPr/>
+        <p:nvPr/>
+      </p:nvGrpSpPr>
+      <p:grpSpPr>
+        <a:xfrm>
+          <a:off x="0" y="0"/>
+          <a:ext cx="0" cy="0"/>
+          <a:chOff x="0" y="0"/>
+          <a:chExt cx="0" cy="0"/>
+        </a:xfrm>
+      </p:grpSpPr>
+      <p:sp>
+        <p:nvSpPr>
+          <p:cNvPr id="2" name="标题 1"/>
+          <p:cNvSpPr>
+            <a:spLocks noGrp="1"/>
+          </p:cNvSpPr>
+          <p:nvPr>
+            <p:ph type="title"/>
+          </p:nvPr>
+        </p:nvSpPr>
+        <p:spPr/>
+        <p:txBody>
+          <a:bodyPr/>
+          <a:lstStyle/>
+          <a:p>
+            <a:r>
+              <a:rPr lang="en-US" altLang="zh-CN" dirty="0"/>
+              <a:t>IOCP—</a:t>
+            </a:r>
+            <a:r>
+              <a:rPr lang="zh-CN" altLang="en-US" dirty="0"/>
+              <a:t>接口说明</a:t>
+            </a:r>
+          </a:p>
+        </p:txBody>
+      </p:sp>
+      <p:sp>
+        <p:nvSpPr>
+          <p:cNvPr id="3" name="内容占位符 2"/>
+          <p:cNvSpPr>
+            <a:spLocks noGrp="1"/>
+          </p:cNvSpPr>
+          <p:nvPr>
+            <p:ph idx="1"/>
+          </p:nvPr>
+        </p:nvSpPr>
+        <p:spPr/>
+        <p:txBody>
+          <a:bodyPr>
+            <a:normAutofit/>
+          </a:bodyPr>
+          <a:lstStyle/>
+          <a:p>
+            <a:pPr marL="0" indent="0">
+              <a:buNone/>
+            </a:pPr>
+            <a:r>
+              <a:rPr lang="en-US" altLang="zh-CN" sz="2000" dirty="0" err="1"/>
+              <a:t>int</a:t>
+            </a:r>
+            <a:r>
+              <a:rPr lang="en-US" altLang="zh-CN" sz="2000" dirty="0"/>
+              <a:t> </a:t>
+            </a:r>
+            <a:r>
+              <a:rPr lang="en-US" altLang="zh-CN" sz="2000" dirty="0" err="1"/>
+              <a:t>WSASend</a:t>
+            </a:r>
+            <a:r>
+              <a:rPr lang="en-US" altLang="zh-CN" sz="2000" dirty="0"/>
+              <a:t>(</a:t>
+            </a:r>
+          </a:p>
+          <a:p>
+            <a:pPr marL="0" indent="0">
+              <a:buNone/>
+            </a:pPr>
+            <a:r>
+              <a:rPr lang="en-US" altLang="zh-CN" sz="2000" dirty="0"/>
+              <a:t>  _In_   SOCKET s,</a:t>
+            </a:r>
+          </a:p>
+          <a:p>
+            <a:pPr marL="0" indent="0">
+              <a:buNone/>
+            </a:pPr>
+            <a:r>
+              <a:rPr lang="en-US" altLang="zh-CN" sz="2000" dirty="0"/>
+              <a:t>  _In_   LPWSABUF </a:t>
+            </a:r>
+            <a:r>
+              <a:rPr lang="en-US" altLang="zh-CN" sz="2000" dirty="0" err="1"/>
+              <a:t>lpBuffers</a:t>
+            </a:r>
+            <a:r>
+              <a:rPr lang="en-US" altLang="zh-CN" sz="2000" dirty="0"/>
+              <a:t>,</a:t>
+            </a:r>
+          </a:p>
+          <a:p>
+            <a:pPr marL="0" indent="0">
+              <a:buNone/>
+            </a:pPr>
+            <a:r>
+              <a:rPr lang="en-US" altLang="zh-CN" sz="2000" dirty="0"/>
+              <a:t>  _In_   DWORD </a:t>
+            </a:r>
+            <a:r>
+              <a:rPr lang="en-US" altLang="zh-CN" sz="2000" dirty="0" err="1"/>
+              <a:t>dwBufferCount</a:t>
+            </a:r>
+            <a:r>
+              <a:rPr lang="en-US" altLang="zh-CN" sz="2000" dirty="0"/>
+              <a:t>,</a:t>
+            </a:r>
+          </a:p>
+          <a:p>
+            <a:pPr marL="0" indent="0">
+              <a:buNone/>
+            </a:pPr>
+            <a:r>
+              <a:rPr lang="en-US" altLang="zh-CN" sz="2000" dirty="0"/>
+              <a:t>  _Out_  LPDWORD </a:t>
+            </a:r>
+            <a:r>
+              <a:rPr lang="en-US" altLang="zh-CN" sz="2000" dirty="0" err="1"/>
+              <a:t>lpNumberOfBytesSent</a:t>
+            </a:r>
+            <a:r>
+              <a:rPr lang="en-US" altLang="zh-CN" sz="2000" dirty="0"/>
+              <a:t>,</a:t>
+            </a:r>
+          </a:p>
+          <a:p>
+            <a:pPr marL="0" indent="0">
+              <a:buNone/>
+            </a:pPr>
+            <a:r>
+              <a:rPr lang="en-US" altLang="zh-CN" sz="2000" dirty="0"/>
+              <a:t>  _In_   DWORD </a:t>
+            </a:r>
+            <a:r>
+              <a:rPr lang="en-US" altLang="zh-CN" sz="2000" dirty="0" err="1"/>
+              <a:t>dwFlags</a:t>
+            </a:r>
+            <a:r>
+              <a:rPr lang="en-US" altLang="zh-CN" sz="2000" dirty="0"/>
+              <a:t>,</a:t>
+            </a:r>
+          </a:p>
+          <a:p>
+            <a:pPr marL="0" indent="0">
+              <a:buNone/>
+            </a:pPr>
+            <a:r>
+              <a:rPr lang="en-US" altLang="zh-CN" sz="2000" dirty="0"/>
+              <a:t>  _In_   LPWSAOVERLAPPED </a:t>
+            </a:r>
+            <a:r>
+              <a:rPr lang="en-US" altLang="zh-CN" sz="2000" dirty="0" err="1"/>
+              <a:t>lpOverlapped</a:t>
+            </a:r>
+            <a:r>
+              <a:rPr lang="en-US" altLang="zh-CN" sz="2000" dirty="0"/>
+              <a:t>,</a:t>
+            </a:r>
+          </a:p>
+          <a:p>
+            <a:pPr marL="0" indent="0">
+              <a:buNone/>
+            </a:pPr>
+            <a:r>
+              <a:rPr lang="en-US" altLang="zh-CN" sz="2000" dirty="0"/>
+              <a:t>  _In_   LPWSAOVERLAPPED_COMPLETION_ROUTINE </a:t>
+            </a:r>
+            <a:r>
+              <a:rPr lang="en-US" altLang="zh-CN" sz="2000" dirty="0" err="1"/>
+              <a:t>lpCompletionRoutine</a:t>
+            </a:r>
+            <a:r>
+              <a:rPr lang="en-US" altLang="zh-CN" sz="2000" dirty="0" smtClean="0"/>
+              <a:t>);</a:t>
+            </a:r>
+          </a:p>
+          <a:p>
+            <a:pPr marL="0" indent="0">
+              <a:buNone/>
+            </a:pPr>
+            <a:endParaRPr lang="en-US" altLang="zh-CN" sz="2000" dirty="0"/>
+          </a:p>
+          <a:p>
+            <a:pPr marL="0" indent="0">
+              <a:buNone/>
+            </a:pPr>
+            <a:endParaRPr lang="zh-CN" altLang="en-US" sz="2000" dirty="0"/>
+          </a:p>
+        </p:txBody>
+      </p:sp>
+    </p:spTree>
+    <p:extLst>
+      <p:ext uri="{BB962C8B-B14F-4D97-AF65-F5344CB8AC3E}">
+        <p14:creationId xmlns:p14="http://schemas.microsoft.com/office/powerpoint/2010/main" val="934865656"/>
+      </p:ext>
+    </p:extLst>
+  </p:cSld>
+  <p:clrMapOvr>
+    <a:masterClrMapping/>
+  </p:clrMapOvr>
+</p:sld>
+</file>
+
+<file path=ppt/slides/slide14.xml><?xml version="1.0" encoding="utf-8"?>
+<p:sld xmlns:a="http://schemas.openxmlformats.org/drawingml/2006/main" xmlns:r="http://schemas.openxmlformats.org/officeDocument/2006/relationships" xmlns:p="http://schemas.openxmlformats.org/presentationml/2006/main">
+  <p:cSld>
+    <p:spTree>
+      <p:nvGrpSpPr>
+        <p:cNvPr id="1" name=""/>
+        <p:cNvGrpSpPr/>
+        <p:nvPr/>
+      </p:nvGrpSpPr>
+      <p:grpSpPr>
+        <a:xfrm>
+          <a:off x="0" y="0"/>
+          <a:ext cx="0" cy="0"/>
+          <a:chOff x="0" y="0"/>
+          <a:chExt cx="0" cy="0"/>
+        </a:xfrm>
+      </p:grpSpPr>
+      <p:sp>
+        <p:nvSpPr>
+          <p:cNvPr id="2" name="标题 1"/>
+          <p:cNvSpPr>
+            <a:spLocks noGrp="1"/>
+          </p:cNvSpPr>
+          <p:nvPr>
+            <p:ph type="title"/>
+          </p:nvPr>
+        </p:nvSpPr>
+        <p:spPr/>
+        <p:txBody>
+          <a:bodyPr/>
+          <a:lstStyle/>
+          <a:p>
+            <a:r>
+              <a:rPr lang="en-US" altLang="zh-CN" dirty="0"/>
+              <a:t>IOCP—</a:t>
+            </a:r>
+            <a:r>
+              <a:rPr lang="zh-CN" altLang="en-US" dirty="0"/>
+              <a:t>接口说明</a:t>
+            </a:r>
+          </a:p>
+        </p:txBody>
+      </p:sp>
+      <p:sp>
+        <p:nvSpPr>
+          <p:cNvPr id="3" name="内容占位符 2"/>
+          <p:cNvSpPr>
+            <a:spLocks noGrp="1"/>
+          </p:cNvSpPr>
+          <p:nvPr>
+            <p:ph idx="1"/>
+          </p:nvPr>
+        </p:nvSpPr>
+        <p:spPr/>
+        <p:txBody>
+          <a:bodyPr>
+            <a:normAutofit/>
+          </a:bodyPr>
+          <a:lstStyle/>
+          <a:p>
+            <a:pPr marL="0" indent="0">
+              <a:buNone/>
+            </a:pPr>
+            <a:r>
+              <a:rPr lang="en-US" altLang="zh-CN" sz="2000" dirty="0" err="1"/>
+              <a:t>int</a:t>
+            </a:r>
+            <a:r>
+              <a:rPr lang="en-US" altLang="zh-CN" sz="2000" dirty="0"/>
+              <a:t> </a:t>
+            </a:r>
+            <a:r>
+              <a:rPr lang="en-US" altLang="zh-CN" sz="2000" dirty="0" err="1"/>
+              <a:t>WSARecv</a:t>
+            </a:r>
+            <a:r>
+              <a:rPr lang="en-US" altLang="zh-CN" sz="2000" dirty="0"/>
+              <a:t>(</a:t>
+            </a:r>
+          </a:p>
+          <a:p>
+            <a:pPr marL="0" indent="0">
+              <a:buNone/>
+            </a:pPr>
+            <a:r>
+              <a:rPr lang="en-US" altLang="zh-CN" sz="2000" dirty="0"/>
+              <a:t>  _In_     SOCKET s,</a:t>
+            </a:r>
+          </a:p>
+          <a:p>
+            <a:pPr marL="0" indent="0">
+              <a:buNone/>
+            </a:pPr>
+            <a:r>
+              <a:rPr lang="en-US" altLang="zh-CN" sz="2000" dirty="0"/>
+              <a:t>  _</a:t>
+            </a:r>
+            <a:r>
+              <a:rPr lang="en-US" altLang="zh-CN" sz="2000" dirty="0" err="1"/>
+              <a:t>Inout</a:t>
+            </a:r>
+            <a:r>
+              <a:rPr lang="en-US" altLang="zh-CN" sz="2000" dirty="0"/>
+              <a:t>_  LPWSABUF </a:t>
+            </a:r>
+            <a:r>
+              <a:rPr lang="en-US" altLang="zh-CN" sz="2000" dirty="0" err="1"/>
+              <a:t>lpBuffers</a:t>
+            </a:r>
+            <a:r>
+              <a:rPr lang="en-US" altLang="zh-CN" sz="2000" dirty="0"/>
+              <a:t>,</a:t>
+            </a:r>
+          </a:p>
+          <a:p>
+            <a:pPr marL="0" indent="0">
+              <a:buNone/>
+            </a:pPr>
+            <a:r>
+              <a:rPr lang="en-US" altLang="zh-CN" sz="2000" dirty="0"/>
+              <a:t>  _In_     DWORD </a:t>
+            </a:r>
+            <a:r>
+              <a:rPr lang="en-US" altLang="zh-CN" sz="2000" dirty="0" err="1"/>
+              <a:t>dwBufferCount</a:t>
+            </a:r>
+            <a:r>
+              <a:rPr lang="en-US" altLang="zh-CN" sz="2000" dirty="0"/>
+              <a:t>,</a:t>
+            </a:r>
+          </a:p>
+          <a:p>
+            <a:pPr marL="0" indent="0">
+              <a:buNone/>
+            </a:pPr>
+            <a:r>
+              <a:rPr lang="en-US" altLang="zh-CN" sz="2000" dirty="0"/>
+              <a:t>  _Out_    LPDWORD </a:t>
+            </a:r>
+            <a:r>
+              <a:rPr lang="en-US" altLang="zh-CN" sz="2000" dirty="0" err="1"/>
+              <a:t>lpNumberOfBytesRecvd</a:t>
+            </a:r>
+            <a:r>
+              <a:rPr lang="en-US" altLang="zh-CN" sz="2000" dirty="0"/>
+              <a:t>,</a:t>
+            </a:r>
+          </a:p>
+          <a:p>
+            <a:pPr marL="0" indent="0">
+              <a:buNone/>
+            </a:pPr>
+            <a:r>
+              <a:rPr lang="en-US" altLang="zh-CN" sz="2000" dirty="0"/>
+              <a:t>  _</a:t>
+            </a:r>
+            <a:r>
+              <a:rPr lang="en-US" altLang="zh-CN" sz="2000" dirty="0" err="1"/>
+              <a:t>Inout</a:t>
+            </a:r>
+            <a:r>
+              <a:rPr lang="en-US" altLang="zh-CN" sz="2000" dirty="0"/>
+              <a:t>_  LPDWORD </a:t>
+            </a:r>
+            <a:r>
+              <a:rPr lang="en-US" altLang="zh-CN" sz="2000" dirty="0" err="1"/>
+              <a:t>lpFlags</a:t>
+            </a:r>
+            <a:r>
+              <a:rPr lang="en-US" altLang="zh-CN" sz="2000" dirty="0"/>
+              <a:t>,</a:t>
+            </a:r>
+          </a:p>
+          <a:p>
+            <a:pPr marL="0" indent="0">
+              <a:buNone/>
+            </a:pPr>
+            <a:r>
+              <a:rPr lang="en-US" altLang="zh-CN" sz="2000" dirty="0"/>
+              <a:t>  _In_     LPWSAOVERLAPPED </a:t>
+            </a:r>
+            <a:r>
+              <a:rPr lang="en-US" altLang="zh-CN" sz="2000" dirty="0" err="1"/>
+              <a:t>lpOverlapped</a:t>
+            </a:r>
+            <a:r>
+              <a:rPr lang="en-US" altLang="zh-CN" sz="2000" dirty="0"/>
+              <a:t>,</a:t>
+            </a:r>
+          </a:p>
+          <a:p>
+            <a:pPr marL="0" indent="0">
+              <a:buNone/>
+            </a:pPr>
+            <a:r>
+              <a:rPr lang="en-US" altLang="zh-CN" sz="2000" dirty="0"/>
+              <a:t>  _In_     LPWSAOVERLAPPED_COMPLETION_ROUTINE </a:t>
+            </a:r>
+            <a:r>
+              <a:rPr lang="en-US" altLang="zh-CN" sz="2000" dirty="0" err="1"/>
+              <a:t>lpCompletionRoutine</a:t>
+            </a:r>
+            <a:r>
+              <a:rPr lang="en-US" altLang="zh-CN" sz="2000" dirty="0"/>
+              <a:t>);</a:t>
+            </a:r>
+            <a:endParaRPr lang="zh-CN" altLang="en-US" sz="2000" dirty="0"/>
+          </a:p>
+        </p:txBody>
+      </p:sp>
+    </p:spTree>
+    <p:extLst>
+      <p:ext uri="{BB962C8B-B14F-4D97-AF65-F5344CB8AC3E}">
+        <p14:creationId xmlns:p14="http://schemas.microsoft.com/office/powerpoint/2010/main" val="2994224773"/>
+      </p:ext>
+    </p:extLst>
+  </p:cSld>
+  <p:clrMapOvr>
+    <a:masterClrMapping/>
+  </p:clrMapOvr>
+</p:sld>
+</file>
+
+<file path=ppt/slides/slide15.xml><?xml version="1.0" encoding="utf-8"?>
+<p:sld xmlns:a="http://schemas.openxmlformats.org/drawingml/2006/main" xmlns:r="http://schemas.openxmlformats.org/officeDocument/2006/relationships" xmlns:p="http://schemas.openxmlformats.org/presentationml/2006/main">
+  <p:cSld>
+    <p:spTree>
+      <p:nvGrpSpPr>
+        <p:cNvPr id="1" name=""/>
+        <p:cNvGrpSpPr/>
+        <p:nvPr/>
+      </p:nvGrpSpPr>
+      <p:grpSpPr>
+        <a:xfrm>
+          <a:off x="0" y="0"/>
+          <a:ext cx="0" cy="0"/>
+          <a:chOff x="0" y="0"/>
+          <a:chExt cx="0" cy="0"/>
+        </a:xfrm>
+      </p:grpSpPr>
+      <p:sp>
+        <p:nvSpPr>
+          <p:cNvPr id="2" name="标题 1"/>
+          <p:cNvSpPr>
+            <a:spLocks noGrp="1"/>
+          </p:cNvSpPr>
+          <p:nvPr>
+            <p:ph type="title"/>
+          </p:nvPr>
+        </p:nvSpPr>
+        <p:spPr/>
+        <p:txBody>
+          <a:bodyPr/>
+          <a:lstStyle/>
+          <a:p>
+            <a:r>
+              <a:rPr lang="en-US" altLang="zh-CN" dirty="0"/>
+              <a:t>IOCP—</a:t>
+            </a:r>
+            <a:r>
+              <a:rPr lang="zh-CN" altLang="en-US" dirty="0"/>
+              <a:t>接口说明</a:t>
+            </a:r>
+          </a:p>
+        </p:txBody>
+      </p:sp>
+      <p:sp>
+        <p:nvSpPr>
+          <p:cNvPr id="3" name="内容占位符 2"/>
+          <p:cNvSpPr>
+            <a:spLocks noGrp="1"/>
+          </p:cNvSpPr>
+          <p:nvPr>
+            <p:ph idx="1"/>
+          </p:nvPr>
+        </p:nvSpPr>
+        <p:spPr/>
+        <p:txBody>
+          <a:bodyPr>
+            <a:normAutofit fontScale="62500" lnSpcReduction="20000"/>
+          </a:bodyPr>
+          <a:lstStyle/>
+          <a:p>
+            <a:pPr marL="0" indent="0">
+              <a:buNone/>
+            </a:pPr>
+            <a:r>
+              <a:rPr lang="en-US" altLang="zh-CN" dirty="0"/>
+              <a:t> </a:t>
+            </a:r>
+            <a:r>
+              <a:rPr lang="en-US" altLang="zh-CN" dirty="0" smtClean="0"/>
+              <a:t>        </a:t>
+            </a:r>
+            <a:r>
+              <a:rPr lang="en-US" altLang="zh-CN" dirty="0" smtClean="0"/>
+              <a:t>Winsock2</a:t>
+            </a:r>
+            <a:r>
+              <a:rPr lang="zh-CN" altLang="en-US" dirty="0"/>
+              <a:t>的其他供应商不一定会实现</a:t>
+            </a:r>
+            <a:r>
+              <a:rPr lang="en-US" altLang="zh-CN" dirty="0" err="1"/>
+              <a:t>AcceptEx</a:t>
+            </a:r>
+            <a:r>
+              <a:rPr lang="zh-CN" altLang="en-US" dirty="0"/>
+              <a:t>函数。同样情况也包括的其他</a:t>
+            </a:r>
+            <a:r>
+              <a:rPr lang="en-US" altLang="zh-CN" dirty="0"/>
+              <a:t>Microsoft</a:t>
+            </a:r>
+            <a:r>
+              <a:rPr lang="zh-CN" altLang="en-US" dirty="0"/>
+              <a:t>的特定</a:t>
+            </a:r>
+            <a:r>
+              <a:rPr lang="en-US" altLang="zh-CN" dirty="0"/>
+              <a:t>APIs</a:t>
+            </a:r>
+            <a:r>
+              <a:rPr lang="zh-CN" altLang="en-US" dirty="0"/>
+              <a:t>如</a:t>
+            </a:r>
+            <a:r>
+              <a:rPr lang="en-US" altLang="zh-CN" dirty="0" err="1"/>
+              <a:t>TransmitFile,GetAcceptExSockAddrs</a:t>
+            </a:r>
+            <a:r>
+              <a:rPr lang="zh-CN" altLang="en-US" dirty="0"/>
+              <a:t>以及其他</a:t>
+            </a:r>
+            <a:r>
+              <a:rPr lang="en-US" altLang="zh-CN" dirty="0"/>
+              <a:t>Microsoft</a:t>
+            </a:r>
+            <a:r>
+              <a:rPr lang="zh-CN" altLang="en-US" dirty="0"/>
+              <a:t>将在以后版本的</a:t>
+            </a:r>
+            <a:r>
+              <a:rPr lang="en-US" altLang="zh-CN" dirty="0"/>
+              <a:t>windows</a:t>
+            </a:r>
+            <a:r>
+              <a:rPr lang="zh-CN" altLang="en-US" dirty="0"/>
+              <a:t>里。在运行</a:t>
+            </a:r>
+            <a:r>
+              <a:rPr lang="en-US" altLang="zh-CN" dirty="0"/>
+              <a:t>WinNT</a:t>
+            </a:r>
+            <a:r>
+              <a:rPr lang="zh-CN" altLang="en-US" dirty="0"/>
+              <a:t>和</a:t>
+            </a:r>
+            <a:r>
+              <a:rPr lang="en-US" altLang="zh-CN" dirty="0"/>
+              <a:t>Win2000</a:t>
+            </a:r>
+            <a:r>
+              <a:rPr lang="zh-CN" altLang="en-US" dirty="0"/>
+              <a:t>的系统上，这些</a:t>
+            </a:r>
+            <a:r>
+              <a:rPr lang="en-US" altLang="zh-CN" dirty="0"/>
+              <a:t>APIs</a:t>
+            </a:r>
+            <a:r>
+              <a:rPr lang="zh-CN" altLang="en-US" dirty="0"/>
+              <a:t>在</a:t>
+            </a:r>
+            <a:r>
+              <a:rPr lang="en-US" altLang="zh-CN" dirty="0"/>
+              <a:t>Microsoft</a:t>
+            </a:r>
+            <a:r>
+              <a:rPr lang="zh-CN" altLang="en-US" dirty="0"/>
+              <a:t>提供的</a:t>
+            </a:r>
+            <a:r>
+              <a:rPr lang="en-US" altLang="zh-CN" dirty="0"/>
+              <a:t>DLL(mswsock.dll)</a:t>
+            </a:r>
+            <a:r>
+              <a:rPr lang="zh-CN" altLang="en-US" dirty="0"/>
+              <a:t>里实现，可以通过链接</a:t>
+            </a:r>
+            <a:r>
+              <a:rPr lang="en-US" altLang="zh-CN" dirty="0"/>
+              <a:t>mswsock.lib</a:t>
+            </a:r>
+            <a:r>
+              <a:rPr lang="zh-CN" altLang="en-US" dirty="0"/>
+              <a:t>或者通过</a:t>
+            </a:r>
+            <a:r>
+              <a:rPr lang="en-US" altLang="zh-CN" dirty="0" err="1"/>
+              <a:t>WSAioctl</a:t>
+            </a:r>
+            <a:r>
+              <a:rPr lang="zh-CN" altLang="en-US" dirty="0"/>
+              <a:t>的</a:t>
+            </a:r>
+            <a:r>
+              <a:rPr lang="en-US" altLang="zh-CN" dirty="0"/>
+              <a:t>SIO_GET_EXTENSION_FUNCTION_POINTER</a:t>
+            </a:r>
+            <a:r>
+              <a:rPr lang="zh-CN" altLang="en-US" dirty="0"/>
+              <a:t>操作动态调用这些扩展</a:t>
+            </a:r>
+            <a:r>
+              <a:rPr lang="en-US" altLang="zh-CN" dirty="0"/>
+              <a:t>APIs</a:t>
+            </a:r>
+            <a:r>
+              <a:rPr lang="en-US" altLang="zh-CN" dirty="0" smtClean="0"/>
+              <a:t>.</a:t>
+            </a:r>
+          </a:p>
+          <a:p>
+            <a:pPr marL="0" indent="0">
+              <a:buNone/>
+            </a:pPr>
+            <a:r>
+              <a:rPr lang="zh-CN" altLang="en-US" dirty="0" smtClean="0"/>
+              <a:t>        未</a:t>
+            </a:r>
+            <a:r>
+              <a:rPr lang="zh-CN" altLang="en-US" dirty="0"/>
+              <a:t>获取函数指针就调用函数（如直接连接</a:t>
+            </a:r>
+            <a:r>
+              <a:rPr lang="en-US" altLang="zh-CN" dirty="0"/>
+              <a:t>mswsock.lib</a:t>
+            </a:r>
+            <a:r>
+              <a:rPr lang="zh-CN" altLang="en-US" dirty="0"/>
+              <a:t>并直接调用</a:t>
+            </a:r>
+            <a:r>
+              <a:rPr lang="en-US" altLang="zh-CN" dirty="0" err="1"/>
+              <a:t>AcceptEx</a:t>
+            </a:r>
+            <a:r>
+              <a:rPr lang="zh-CN" altLang="en-US" dirty="0"/>
+              <a:t>）的消耗是很大的，因为</a:t>
+            </a:r>
+            <a:r>
+              <a:rPr lang="en-US" altLang="zh-CN" dirty="0" err="1"/>
+              <a:t>AcceptEx</a:t>
+            </a:r>
+            <a:r>
+              <a:rPr lang="en-US" altLang="zh-CN" dirty="0"/>
+              <a:t> </a:t>
+            </a:r>
+            <a:r>
+              <a:rPr lang="zh-CN" altLang="en-US" dirty="0"/>
+              <a:t>实际上是存在于</a:t>
+            </a:r>
+            <a:r>
+              <a:rPr lang="en-US" altLang="zh-CN" dirty="0"/>
+              <a:t>Winsock2</a:t>
+            </a:r>
+            <a:r>
+              <a:rPr lang="zh-CN" altLang="en-US" dirty="0"/>
+              <a:t>结构体系之外的。每次应用程序常试在服务提供层上（</a:t>
+            </a:r>
+            <a:r>
+              <a:rPr lang="en-US" altLang="zh-CN" dirty="0" err="1"/>
+              <a:t>mswsock</a:t>
+            </a:r>
+            <a:r>
+              <a:rPr lang="zh-CN" altLang="en-US" dirty="0"/>
+              <a:t>之上）调用</a:t>
+            </a:r>
+            <a:r>
+              <a:rPr lang="en-US" altLang="zh-CN" dirty="0" err="1"/>
+              <a:t>AcceptEx</a:t>
+            </a:r>
+            <a:r>
+              <a:rPr lang="zh-CN" altLang="en-US" dirty="0"/>
+              <a:t>时，都要先通过</a:t>
+            </a:r>
+            <a:r>
+              <a:rPr lang="en-US" altLang="zh-CN" dirty="0" err="1"/>
+              <a:t>WSAIoctl</a:t>
+            </a:r>
+            <a:r>
+              <a:rPr lang="zh-CN" altLang="en-US" dirty="0"/>
+              <a:t>获取该函数指针。如果要避免这个很影响性能的操作，应用程序最好是直接从服务提供层通过</a:t>
+            </a:r>
+            <a:r>
+              <a:rPr lang="en-US" altLang="zh-CN" dirty="0" err="1"/>
+              <a:t>WSAIoctl</a:t>
+            </a:r>
+            <a:r>
+              <a:rPr lang="zh-CN" altLang="en-US" dirty="0"/>
+              <a:t>先获取这些</a:t>
+            </a:r>
+            <a:r>
+              <a:rPr lang="en-US" altLang="zh-CN" dirty="0"/>
+              <a:t>APIs</a:t>
+            </a:r>
+            <a:r>
+              <a:rPr lang="zh-CN" altLang="en-US" dirty="0"/>
+              <a:t>的指针。</a:t>
+            </a:r>
+          </a:p>
+          <a:p>
+            <a:pPr marL="0" indent="0">
+              <a:buNone/>
+            </a:pPr>
+            <a:r>
+              <a:rPr lang="zh-CN" altLang="en-US" smtClean="0"/>
+              <a:t>         需要</a:t>
+            </a:r>
+            <a:r>
+              <a:rPr lang="zh-CN" altLang="en-US" dirty="0"/>
+              <a:t>注意的是，通过</a:t>
+            </a:r>
+            <a:r>
+              <a:rPr lang="en-US" altLang="zh-CN" dirty="0" err="1"/>
+              <a:t>WSAIoctl</a:t>
+            </a:r>
+            <a:r>
+              <a:rPr lang="zh-CN" altLang="en-US" dirty="0"/>
+              <a:t>获取</a:t>
+            </a:r>
+            <a:r>
+              <a:rPr lang="en-US" altLang="zh-CN" dirty="0" err="1"/>
+              <a:t>AcceptEx</a:t>
+            </a:r>
+            <a:r>
+              <a:rPr lang="zh-CN" altLang="en-US" dirty="0"/>
+              <a:t>函数指针时，只需要传递给</a:t>
+            </a:r>
+            <a:r>
+              <a:rPr lang="en-US" altLang="zh-CN" dirty="0" err="1"/>
+              <a:t>WSAIoctl</a:t>
+            </a:r>
+            <a:r>
+              <a:rPr lang="zh-CN" altLang="en-US" dirty="0"/>
+              <a:t>一个有效的</a:t>
+            </a:r>
+            <a:r>
+              <a:rPr lang="en-US" altLang="zh-CN" dirty="0"/>
+              <a:t>SOCKET</a:t>
+            </a:r>
+            <a:r>
+              <a:rPr lang="zh-CN" altLang="en-US" dirty="0"/>
+              <a:t>即可，该</a:t>
+            </a:r>
+            <a:r>
+              <a:rPr lang="en-US" altLang="zh-CN" dirty="0"/>
+              <a:t>Socket</a:t>
+            </a:r>
+            <a:r>
+              <a:rPr lang="zh-CN" altLang="en-US" dirty="0"/>
+              <a:t>的类型不会影响获取的</a:t>
+            </a:r>
+            <a:r>
+              <a:rPr lang="en-US" altLang="zh-CN" dirty="0" err="1"/>
+              <a:t>AcceptEx</a:t>
+            </a:r>
+            <a:r>
+              <a:rPr lang="zh-CN" altLang="en-US" dirty="0"/>
+              <a:t>函数指针。</a:t>
+            </a:r>
+          </a:p>
+          <a:p>
+            <a:pPr marL="0" indent="0">
+              <a:buNone/>
+            </a:pPr>
+            <a:endParaRPr lang="zh-CN" altLang="en-US" dirty="0"/>
+          </a:p>
+        </p:txBody>
+      </p:sp>
+    </p:spTree>
+    <p:extLst>
+      <p:ext uri="{BB962C8B-B14F-4D97-AF65-F5344CB8AC3E}">
+        <p14:creationId xmlns:p14="http://schemas.microsoft.com/office/powerpoint/2010/main" val="3633817858"/>
+      </p:ext>
+    </p:extLst>
+  </p:cSld>
+  <p:clrMapOvr>
+    <a:masterClrMapping/>
+  </p:clrMapOvr>
+</p:sld>
+</file>
+
+<file path=ppt/slides/slide2.xml><?xml version="1.0" encoding="utf-8"?>
+<p:sld xmlns:a="http://schemas.openxmlformats.org/drawingml/2006/main" xmlns:r="http://schemas.openxmlformats.org/officeDocument/2006/relationships" xmlns:p="http://schemas.openxmlformats.org/presentationml/2006/main">
+  <p:cSld>
+    <p:spTree>
+      <p:nvGrpSpPr>
+        <p:cNvPr id="1" name=""/>
+        <p:cNvGrpSpPr/>
+        <p:nvPr/>
+      </p:nvGrpSpPr>
+      <p:grpSpPr>
+        <a:xfrm>
+          <a:off x="0" y="0"/>
+          <a:ext cx="0" cy="0"/>
+          <a:chOff x="0" y="0"/>
+          <a:chExt cx="0" cy="0"/>
+        </a:xfrm>
+      </p:grpSpPr>
+      <p:sp>
+        <p:nvSpPr>
+          <p:cNvPr id="2" name="标题 1"/>
+          <p:cNvSpPr>
+            <a:spLocks noGrp="1"/>
+          </p:cNvSpPr>
+          <p:nvPr>
+            <p:ph type="title"/>
+          </p:nvPr>
+        </p:nvSpPr>
+        <p:spPr/>
+        <p:txBody>
+          <a:bodyPr/>
+          <a:lstStyle/>
+          <a:p>
+            <a:r>
+              <a:rPr lang="en-US" altLang="zh-CN" dirty="0" smtClean="0"/>
+              <a:t>IOCP</a:t>
+            </a:r>
+            <a:endParaRPr lang="zh-CN" altLang="en-US" dirty="0"/>
+          </a:p>
+        </p:txBody>
+      </p:sp>
+      <p:sp>
+        <p:nvSpPr>
+          <p:cNvPr id="3" name="内容占位符 2"/>
+          <p:cNvSpPr>
+            <a:spLocks noGrp="1"/>
+          </p:cNvSpPr>
+          <p:nvPr>
+            <p:ph idx="1"/>
+          </p:nvPr>
+        </p:nvSpPr>
+        <p:spPr/>
+        <p:txBody>
+          <a:bodyPr/>
+          <a:lstStyle/>
+          <a:p>
+            <a:r>
+              <a:rPr lang="en-US" altLang="zh-CN" dirty="0" smtClean="0"/>
+              <a:t>IOCP</a:t>
+            </a:r>
+            <a:r>
+              <a:rPr lang="zh-CN" altLang="en-US" dirty="0" smtClean="0"/>
+              <a:t>：</a:t>
+            </a:r>
+            <a:r>
+              <a:rPr lang="en-US" altLang="zh-CN" dirty="0" smtClean="0"/>
+              <a:t>I/O </a:t>
+            </a:r>
+            <a:r>
+              <a:rPr lang="en-US" altLang="zh-CN" dirty="0"/>
+              <a:t>Completion </a:t>
+            </a:r>
+            <a:r>
+              <a:rPr lang="en-US" altLang="zh-CN" dirty="0" smtClean="0"/>
+              <a:t>Port </a:t>
+            </a:r>
+            <a:r>
+              <a:rPr lang="zh-CN" altLang="en-US" dirty="0" smtClean="0"/>
+              <a:t>完成端口</a:t>
+            </a:r>
+            <a:endParaRPr lang="en-US" altLang="zh-CN" dirty="0" smtClean="0"/>
+          </a:p>
+          <a:p>
+            <a:r>
+              <a:rPr lang="en-US" altLang="zh-CN" dirty="0" smtClean="0"/>
+              <a:t>IOCP</a:t>
+            </a:r>
+            <a:r>
+              <a:rPr lang="zh-CN" altLang="en-US" dirty="0" smtClean="0"/>
+              <a:t>是一组支持多个同步异步</a:t>
+            </a:r>
+            <a:r>
+              <a:rPr lang="en-US" altLang="zh-CN" dirty="0" smtClean="0"/>
+              <a:t>IO</a:t>
+            </a:r>
+            <a:r>
+              <a:rPr lang="zh-CN" altLang="en-US" dirty="0" smtClean="0"/>
+              <a:t>访问操作的</a:t>
+            </a:r>
+            <a:r>
+              <a:rPr lang="en-US" altLang="zh-CN" dirty="0" smtClean="0"/>
+              <a:t>API</a:t>
+            </a:r>
+          </a:p>
+          <a:p>
+            <a:r>
+              <a:rPr lang="en-US" altLang="zh-CN" dirty="0" smtClean="0"/>
+              <a:t>IOCP</a:t>
+            </a:r>
+            <a:r>
+              <a:rPr lang="zh-CN" altLang="en-US" dirty="0" smtClean="0"/>
+              <a:t>的应用模型</a:t>
+            </a:r>
+            <a:endParaRPr lang="en-US" altLang="zh-CN" dirty="0" smtClean="0"/>
+          </a:p>
+          <a:p>
+            <a:endParaRPr lang="zh-CN" altLang="en-US" dirty="0"/>
+          </a:p>
+        </p:txBody>
+      </p:sp>
+      <p:pic>
+        <p:nvPicPr>
+          <p:cNvPr id="4" name="Picture 2"/>
+          <p:cNvPicPr>
+            <a:picLocks noChangeAspect="1" noChangeArrowheads="1"/>
+          </p:cNvPicPr>
+          <p:nvPr/>
+        </p:nvPicPr>
+        <p:blipFill>
+          <a:blip r:embed="rId2">
+            <a:extLst>
+              <a:ext uri="{28A0092B-C50C-407E-A947-70E740481C1C}">
+                <a14:useLocalDpi xmlns:a14="http://schemas.microsoft.com/office/drawing/2010/main" val="0"/>
+              </a:ext>
+            </a:extLst>
+          </a:blip>
+          <a:srcRect/>
+          <a:stretch>
+            <a:fillRect/>
+          </a:stretch>
+        </p:blipFill>
+        <p:spPr bwMode="auto">
+          <a:xfrm>
+            <a:off x="5061593" y="3284984"/>
+            <a:ext cx="3667125" cy="2752725"/>
+          </a:xfrm>
+          <a:prstGeom prst="rect">
+            <a:avLst/>
+          </a:prstGeom>
+          <a:noFill/>
+          <a:ln>
+            <a:noFill/>
+          </a:ln>
+          <a:effectLst/>
+          <a:extLst>
+            <a:ext uri="{909E8E84-426E-40DD-AFC4-6F175D3DCCD1}">
+              <a14:hiddenFill xmlns:a14="http://schemas.microsoft.com/office/drawing/2010/main">
+                <a:solidFill>
+                  <a:schemeClr val="accent1"/>
+                </a:solidFill>
+              </a14:hiddenFill>
+            </a:ext>
+            <a:ext uri="{91240B29-F687-4F45-9708-019B960494DF}">
+              <a14:hiddenLine xmlns:a14="http://schemas.microsoft.com/office/drawing/2010/main" w="9525">
+                <a:solidFill>
+                  <a:schemeClr val="tx1"/>
+                </a:solidFill>
+                <a:miter lim="800000"/>
+                <a:headEnd/>
+                <a:tailEnd/>
+              </a14:hiddenLine>
+            </a:ext>
+            <a:ext uri="{AF507438-7753-43E0-B8FC-AC1667EBCBE1}">
+              <a14:hiddenEffects xmlns:a14="http://schemas.microsoft.com/office/drawing/2010/main">
+                <a:effectLst>
+                  <a:outerShdw dist="35921" dir="2700000" algn="ctr" rotWithShape="0">
+                    <a:schemeClr val="bg2"/>
+                  </a:outerShdw>
+                </a:effectLst>
+              </a14:hiddenEffects>
+            </a:ext>
+          </a:extLst>
+        </p:spPr>
+      </p:pic>
+    </p:spTree>
+    <p:extLst>
+      <p:ext uri="{BB962C8B-B14F-4D97-AF65-F5344CB8AC3E}">
+        <p14:creationId xmlns:p14="http://schemas.microsoft.com/office/powerpoint/2010/main" val="2466335422"/>
+      </p:ext>
+    </p:extLst>
+  </p:cSld>
+  <p:clrMapOvr>
+    <a:masterClrMapping/>
+  </p:clrMapOvr>
+</p:sld>
+</file>
+
+<file path=ppt/slides/slide3.xml><?xml version="1.0" encoding="utf-8"?>
+<p:sld xmlns:a="http://schemas.openxmlformats.org/drawingml/2006/main" xmlns:r="http://schemas.openxmlformats.org/officeDocument/2006/relationships" xmlns:p="http://schemas.openxmlformats.org/presentationml/2006/main">
+  <p:cSld>
+    <p:spTree>
+      <p:nvGrpSpPr>
+        <p:cNvPr id="1" name=""/>
+        <p:cNvGrpSpPr/>
+        <p:nvPr/>
+      </p:nvGrpSpPr>
+      <p:grpSpPr>
+        <a:xfrm>
+          <a:off x="0" y="0"/>
+          <a:ext cx="0" cy="0"/>
+          <a:chOff x="0" y="0"/>
+          <a:chExt cx="0" cy="0"/>
+        </a:xfrm>
+      </p:grpSpPr>
+      <p:sp>
+        <p:nvSpPr>
+          <p:cNvPr id="2" name="标题 1"/>
+          <p:cNvSpPr>
+            <a:spLocks noGrp="1"/>
+          </p:cNvSpPr>
+          <p:nvPr>
+            <p:ph type="title"/>
+          </p:nvPr>
+        </p:nvSpPr>
+        <p:spPr/>
+        <p:txBody>
+          <a:bodyPr/>
+          <a:lstStyle/>
+          <a:p>
+            <a:r>
+              <a:rPr lang="en-US" altLang="zh-CN" dirty="0" smtClean="0"/>
+              <a:t>IOCP-</a:t>
+            </a:r>
+            <a:r>
+              <a:rPr lang="zh-CN" altLang="en-US" dirty="0" smtClean="0"/>
+              <a:t>应用处理</a:t>
+            </a:r>
+            <a:endParaRPr lang="zh-CN" altLang="en-US" dirty="0"/>
+          </a:p>
+        </p:txBody>
+      </p:sp>
+      <p:sp>
+        <p:nvSpPr>
+          <p:cNvPr id="3" name="内容占位符 2"/>
+          <p:cNvSpPr>
+            <a:spLocks noGrp="1"/>
+          </p:cNvSpPr>
+          <p:nvPr>
+            <p:ph idx="1"/>
+          </p:nvPr>
+        </p:nvSpPr>
+        <p:spPr/>
+        <p:txBody>
+          <a:bodyPr/>
+          <a:lstStyle/>
+          <a:p>
+            <a:r>
+              <a:rPr lang="zh-CN" altLang="en-US" dirty="0"/>
+              <a:t>一个</a:t>
+            </a:r>
+            <a:r>
+              <a:rPr lang="en-US" altLang="zh-CN" dirty="0"/>
+              <a:t>IOCP</a:t>
+            </a:r>
+            <a:r>
+              <a:rPr lang="zh-CN" altLang="en-US" dirty="0"/>
+              <a:t>对象可以关联多个文件或者网络</a:t>
+            </a:r>
+            <a:r>
+              <a:rPr lang="zh-CN" altLang="en-US" dirty="0" smtClean="0"/>
+              <a:t>句柄。当</a:t>
+            </a:r>
+            <a:r>
+              <a:rPr lang="zh-CN" altLang="en-US" dirty="0"/>
+              <a:t>一</a:t>
+            </a:r>
+            <a:r>
+              <a:rPr lang="zh-CN" altLang="en-US" dirty="0" smtClean="0"/>
+              <a:t>个对象</a:t>
+            </a:r>
+            <a:r>
+              <a:rPr lang="en-US" altLang="zh-CN" dirty="0" smtClean="0"/>
+              <a:t>IO</a:t>
+            </a:r>
+            <a:r>
+              <a:rPr lang="zh-CN" altLang="en-US" dirty="0" smtClean="0"/>
+              <a:t>请求完成时，</a:t>
+            </a:r>
+            <a:r>
+              <a:rPr lang="zh-CN" altLang="en-US" dirty="0"/>
+              <a:t>不</a:t>
+            </a:r>
+            <a:r>
+              <a:rPr lang="zh-CN" altLang="en-US" dirty="0" smtClean="0"/>
+              <a:t>会通知其请求者，而是在</a:t>
+            </a:r>
+            <a:r>
+              <a:rPr lang="en-US" altLang="zh-CN" dirty="0" smtClean="0"/>
+              <a:t>IOCP</a:t>
+            </a:r>
+            <a:r>
+              <a:rPr lang="zh-CN" altLang="en-US" dirty="0" smtClean="0"/>
+              <a:t>的</a:t>
+            </a:r>
+            <a:r>
+              <a:rPr lang="zh-CN" altLang="en-US" dirty="0"/>
+              <a:t>消息</a:t>
+            </a:r>
+            <a:r>
+              <a:rPr lang="zh-CN" altLang="en-US" dirty="0" smtClean="0"/>
+              <a:t>队列中添加一个完成消息，请求者需要查询消息队列确认请求的处理状态</a:t>
+            </a:r>
+            <a:endParaRPr lang="en-US" altLang="zh-CN" dirty="0" smtClean="0"/>
+          </a:p>
+          <a:p>
+            <a:endParaRPr lang="en-US" altLang="zh-CN" dirty="0"/>
+          </a:p>
+          <a:p>
+            <a:endParaRPr lang="zh-CN" altLang="en-US" dirty="0"/>
+          </a:p>
+        </p:txBody>
+      </p:sp>
+    </p:spTree>
+    <p:extLst>
+      <p:ext uri="{BB962C8B-B14F-4D97-AF65-F5344CB8AC3E}">
+        <p14:creationId xmlns:p14="http://schemas.microsoft.com/office/powerpoint/2010/main" val="4293054523"/>
+      </p:ext>
+    </p:extLst>
+  </p:cSld>
+  <p:clrMapOvr>
+    <a:masterClrMapping/>
+  </p:clrMapOvr>
+</p:sld>
+</file>
+
+<file path=ppt/slides/slide4.xml><?xml version="1.0" encoding="utf-8"?>
+<p:sld xmlns:a="http://schemas.openxmlformats.org/drawingml/2006/main" xmlns:r="http://schemas.openxmlformats.org/officeDocument/2006/relationships" xmlns:p="http://schemas.openxmlformats.org/presentationml/2006/main">
+  <p:cSld>
+    <p:spTree>
+      <p:nvGrpSpPr>
+        <p:cNvPr id="1" name=""/>
+        <p:cNvGrpSpPr/>
+        <p:nvPr/>
+      </p:nvGrpSpPr>
+      <p:grpSpPr>
+        <a:xfrm>
+          <a:off x="0" y="0"/>
+          <a:ext cx="0" cy="0"/>
+          <a:chOff x="0" y="0"/>
+          <a:chExt cx="0" cy="0"/>
+        </a:xfrm>
+      </p:grpSpPr>
+      <p:sp>
+        <p:nvSpPr>
+          <p:cNvPr id="2" name="标题 1"/>
+          <p:cNvSpPr>
+            <a:spLocks noGrp="1"/>
+          </p:cNvSpPr>
+          <p:nvPr>
+            <p:ph type="title"/>
+          </p:nvPr>
+        </p:nvSpPr>
+        <p:spPr/>
+        <p:txBody>
+          <a:bodyPr/>
+          <a:lstStyle/>
+          <a:p>
+            <a:r>
+              <a:rPr lang="en-US" altLang="zh-CN" dirty="0" smtClean="0"/>
+              <a:t>IOCP-</a:t>
+            </a:r>
+            <a:r>
+              <a:rPr lang="zh-CN" altLang="en-US" dirty="0" smtClean="0"/>
+              <a:t>优缺点</a:t>
+            </a:r>
+            <a:endParaRPr lang="zh-CN" altLang="en-US" dirty="0"/>
+          </a:p>
+        </p:txBody>
+      </p:sp>
+      <p:sp>
+        <p:nvSpPr>
+          <p:cNvPr id="3" name="内容占位符 2"/>
+          <p:cNvSpPr>
+            <a:spLocks noGrp="1"/>
+          </p:cNvSpPr>
+          <p:nvPr>
+            <p:ph idx="1"/>
+          </p:nvPr>
+        </p:nvSpPr>
+        <p:spPr/>
+        <p:txBody>
+          <a:bodyPr>
+            <a:normAutofit fontScale="85000" lnSpcReduction="20000"/>
+          </a:bodyPr>
+          <a:lstStyle/>
+          <a:p>
+            <a:r>
+              <a:rPr lang="zh-CN" altLang="en-US" dirty="0" smtClean="0"/>
+              <a:t>优点</a:t>
+            </a:r>
+            <a:endParaRPr lang="en-US" altLang="zh-CN" dirty="0" smtClean="0"/>
+          </a:p>
+          <a:p>
+            <a:pPr lvl="1"/>
+            <a:r>
+              <a:rPr lang="zh-CN" altLang="en-US" dirty="0"/>
+              <a:t>帮助维持重复使用的内存池。</a:t>
+            </a:r>
+            <a:r>
+              <a:rPr lang="en-US" altLang="zh-CN" dirty="0"/>
+              <a:t>(</a:t>
+            </a:r>
+            <a:r>
+              <a:rPr lang="zh-CN" altLang="en-US" dirty="0"/>
+              <a:t>与重叠</a:t>
+            </a:r>
+            <a:r>
+              <a:rPr lang="en-US" altLang="zh-CN" dirty="0"/>
+              <a:t>I/O</a:t>
+            </a:r>
+            <a:r>
+              <a:rPr lang="zh-CN" altLang="en-US" dirty="0"/>
+              <a:t>技术有关</a:t>
+            </a:r>
+            <a:r>
+              <a:rPr lang="en-US" altLang="zh-CN" dirty="0"/>
+              <a:t>)</a:t>
+            </a:r>
+          </a:p>
+          <a:p>
+            <a:pPr lvl="1"/>
+            <a:r>
+              <a:rPr lang="zh-CN" altLang="en-US" dirty="0"/>
+              <a:t>去除删除线程创建</a:t>
+            </a:r>
+            <a:r>
+              <a:rPr lang="en-US" altLang="zh-CN" dirty="0"/>
+              <a:t>/</a:t>
+            </a:r>
+            <a:r>
+              <a:rPr lang="zh-CN" altLang="en-US" dirty="0"/>
+              <a:t>终结负担。</a:t>
+            </a:r>
+            <a:endParaRPr lang="en-US" altLang="zh-CN" dirty="0"/>
+          </a:p>
+          <a:p>
+            <a:pPr lvl="1"/>
+            <a:r>
+              <a:rPr lang="zh-CN" altLang="en-US" dirty="0"/>
+              <a:t>利于管理，分配线程，控制并发，最小化的线程上下文切换。</a:t>
+            </a:r>
+            <a:endParaRPr lang="en-US" altLang="zh-CN" dirty="0"/>
+          </a:p>
+          <a:p>
+            <a:pPr lvl="1"/>
+            <a:r>
+              <a:rPr lang="zh-CN" altLang="en-US" dirty="0"/>
+              <a:t>优化线程调度，提高</a:t>
+            </a:r>
+            <a:r>
+              <a:rPr lang="en-US" altLang="zh-CN" dirty="0"/>
+              <a:t>CPU</a:t>
+            </a:r>
+            <a:r>
+              <a:rPr lang="zh-CN" altLang="en-US" dirty="0"/>
+              <a:t>和内存缓冲的命中率</a:t>
+            </a:r>
+            <a:r>
+              <a:rPr lang="zh-CN" altLang="en-US" dirty="0" smtClean="0"/>
+              <a:t>。</a:t>
+            </a:r>
+            <a:endParaRPr lang="en-US" altLang="zh-CN" dirty="0" smtClean="0"/>
+          </a:p>
+          <a:p>
+            <a:r>
+              <a:rPr lang="zh-CN" altLang="en-US" dirty="0" smtClean="0"/>
+              <a:t>缺点</a:t>
+            </a:r>
+            <a:endParaRPr lang="en-US" altLang="zh-CN" dirty="0" smtClean="0"/>
+          </a:p>
+          <a:p>
+            <a:pPr lvl="1"/>
+            <a:r>
+              <a:rPr lang="zh-CN" altLang="en-US" dirty="0" smtClean="0"/>
+              <a:t>同步</a:t>
+            </a:r>
+            <a:r>
+              <a:rPr lang="zh-CN" altLang="en-US" dirty="0"/>
+              <a:t>与异步</a:t>
+            </a:r>
+          </a:p>
+          <a:p>
+            <a:pPr lvl="1"/>
+            <a:r>
+              <a:rPr lang="zh-CN" altLang="en-US" dirty="0" smtClean="0"/>
+              <a:t>阻塞</a:t>
+            </a:r>
+            <a:r>
+              <a:rPr lang="zh-CN" altLang="en-US" dirty="0"/>
+              <a:t>与非</a:t>
+            </a:r>
+            <a:r>
+              <a:rPr lang="zh-CN" altLang="en-US" dirty="0" smtClean="0"/>
+              <a:t>阻塞</a:t>
+            </a:r>
+            <a:endParaRPr lang="en-US" altLang="zh-CN" dirty="0"/>
+          </a:p>
+          <a:p>
+            <a:pPr lvl="1"/>
+            <a:r>
+              <a:rPr lang="zh-CN" altLang="en-US" dirty="0" smtClean="0"/>
+              <a:t>重叠</a:t>
+            </a:r>
+            <a:r>
+              <a:rPr lang="en-US" altLang="zh-CN" dirty="0"/>
+              <a:t>I/O</a:t>
+            </a:r>
+            <a:r>
+              <a:rPr lang="zh-CN" altLang="en-US" dirty="0" smtClean="0"/>
+              <a:t>技术</a:t>
+            </a:r>
+            <a:endParaRPr lang="en-US" altLang="zh-CN" dirty="0" smtClean="0"/>
+          </a:p>
+          <a:p>
+            <a:pPr lvl="1"/>
+            <a:r>
+              <a:rPr lang="zh-CN" altLang="en-US" dirty="0"/>
+              <a:t>多</a:t>
+            </a:r>
+            <a:r>
+              <a:rPr lang="zh-CN" altLang="en-US" dirty="0" smtClean="0"/>
+              <a:t>线程</a:t>
+            </a:r>
+            <a:endParaRPr lang="en-US" altLang="zh-CN" dirty="0" smtClean="0"/>
+          </a:p>
+          <a:p>
+            <a:pPr lvl="1"/>
+            <a:r>
+              <a:rPr lang="zh-CN" altLang="en-US" dirty="0" smtClean="0"/>
+              <a:t>栈</a:t>
+            </a:r>
+            <a:r>
+              <a:rPr lang="zh-CN" altLang="en-US" dirty="0"/>
+              <a:t>、队列这两种基本的数据结构</a:t>
+            </a:r>
+          </a:p>
+          <a:p>
+            <a:endParaRPr lang="en-US" altLang="zh-CN" dirty="0" smtClean="0"/>
+          </a:p>
+        </p:txBody>
+      </p:sp>
+    </p:spTree>
+    <p:extLst>
+      <p:ext uri="{BB962C8B-B14F-4D97-AF65-F5344CB8AC3E}">
+        <p14:creationId xmlns:p14="http://schemas.microsoft.com/office/powerpoint/2010/main" val="1281523411"/>
+      </p:ext>
+    </p:extLst>
+  </p:cSld>
+  <p:clrMapOvr>
+    <a:masterClrMapping/>
+  </p:clrMapOvr>
+</p:sld>
+</file>
+
+<file path=ppt/slides/slide5.xml><?xml version="1.0" encoding="utf-8"?>
+<p:sld xmlns:a="http://schemas.openxmlformats.org/drawingml/2006/main" xmlns:r="http://schemas.openxmlformats.org/officeDocument/2006/relationships" xmlns:p="http://schemas.openxmlformats.org/presentationml/2006/main">
+  <p:cSld>
+    <p:spTree>
+      <p:nvGrpSpPr>
+        <p:cNvPr id="1" name=""/>
+        <p:cNvGrpSpPr/>
+        <p:nvPr/>
+      </p:nvGrpSpPr>
+      <p:grpSpPr>
+        <a:xfrm>
+          <a:off x="0" y="0"/>
+          <a:ext cx="0" cy="0"/>
+          <a:chOff x="0" y="0"/>
+          <a:chExt cx="0" cy="0"/>
+        </a:xfrm>
+      </p:grpSpPr>
+      <p:sp>
+        <p:nvSpPr>
+          <p:cNvPr id="2" name="标题 1"/>
+          <p:cNvSpPr>
+            <a:spLocks noGrp="1"/>
+          </p:cNvSpPr>
+          <p:nvPr>
+            <p:ph type="title"/>
+          </p:nvPr>
+        </p:nvSpPr>
+        <p:spPr/>
+        <p:txBody>
+          <a:bodyPr/>
+          <a:lstStyle/>
+          <a:p>
+            <a:r>
+              <a:rPr lang="en-US" altLang="zh-CN" dirty="0" smtClean="0"/>
+              <a:t>IOCP-</a:t>
+            </a:r>
+            <a:r>
+              <a:rPr lang="zh-CN" altLang="en-US" dirty="0" smtClean="0"/>
+              <a:t>重叠</a:t>
+            </a:r>
+            <a:r>
+              <a:rPr lang="en-US" altLang="zh-CN" dirty="0" smtClean="0"/>
+              <a:t>IO</a:t>
+            </a:r>
+            <a:endParaRPr lang="zh-CN" altLang="en-US" dirty="0"/>
+          </a:p>
+        </p:txBody>
+      </p:sp>
+      <p:sp>
+        <p:nvSpPr>
+          <p:cNvPr id="3" name="内容占位符 2"/>
+          <p:cNvSpPr>
+            <a:spLocks noGrp="1"/>
+          </p:cNvSpPr>
+          <p:nvPr>
+            <p:ph idx="1"/>
+          </p:nvPr>
+        </p:nvSpPr>
+        <p:spPr/>
+        <p:txBody>
+          <a:bodyPr>
+            <a:normAutofit fontScale="85000" lnSpcReduction="20000"/>
+          </a:bodyPr>
+          <a:lstStyle/>
+          <a:p>
+            <a:r>
+              <a:rPr lang="zh-CN" altLang="en-US" dirty="0" smtClean="0"/>
+              <a:t>重叠</a:t>
+            </a:r>
+            <a:r>
+              <a:rPr lang="en-US" altLang="zh-CN" dirty="0" smtClean="0"/>
+              <a:t>IO</a:t>
+            </a:r>
+            <a:r>
+              <a:rPr lang="zh-CN" altLang="en-US" dirty="0" smtClean="0"/>
+              <a:t>的</a:t>
+            </a:r>
+            <a:r>
+              <a:rPr lang="zh-CN" altLang="en-US" dirty="0"/>
+              <a:t>核心是一个重叠数据结构</a:t>
+            </a:r>
+            <a:r>
+              <a:rPr lang="en-US" altLang="zh-CN" dirty="0"/>
+              <a:t>(OVERLAPPED</a:t>
+            </a:r>
+            <a:r>
+              <a:rPr lang="en-US" altLang="zh-CN" dirty="0" smtClean="0"/>
+              <a:t>)</a:t>
+            </a:r>
+          </a:p>
+          <a:p>
+            <a:r>
+              <a:rPr lang="zh-CN" altLang="en-US" dirty="0"/>
+              <a:t>重叠</a:t>
+            </a:r>
+            <a:r>
+              <a:rPr lang="en-US" altLang="zh-CN" dirty="0" smtClean="0"/>
+              <a:t>IO</a:t>
+            </a:r>
+            <a:r>
+              <a:rPr lang="zh-CN" altLang="en-US" dirty="0"/>
+              <a:t>能够同时以多个线程处理多个</a:t>
+            </a:r>
+            <a:r>
+              <a:rPr lang="en-US" altLang="zh-CN" dirty="0" smtClean="0"/>
+              <a:t>I/O</a:t>
+            </a:r>
+            <a:r>
+              <a:rPr lang="zh-CN" altLang="en-US" dirty="0" smtClean="0"/>
+              <a:t>，</a:t>
+            </a:r>
+            <a:r>
+              <a:rPr lang="en-US" altLang="zh-CN" dirty="0" smtClean="0"/>
+              <a:t>O</a:t>
+            </a:r>
+            <a:r>
+              <a:rPr lang="zh-CN" altLang="en-US" dirty="0" smtClean="0"/>
+              <a:t>解决各种</a:t>
+            </a:r>
+            <a:r>
+              <a:rPr lang="en-US" altLang="zh-CN" dirty="0" smtClean="0"/>
+              <a:t>IO</a:t>
+            </a:r>
+            <a:r>
+              <a:rPr lang="zh-CN" altLang="en-US" dirty="0" smtClean="0"/>
+              <a:t>访问时阻塞等待</a:t>
+            </a:r>
+            <a:endParaRPr lang="en-US" altLang="zh-CN" dirty="0" smtClean="0"/>
+          </a:p>
+          <a:p>
+            <a:r>
+              <a:rPr lang="en-US" altLang="zh-CN" dirty="0" smtClean="0"/>
+              <a:t>IO</a:t>
+            </a:r>
+            <a:r>
+              <a:rPr lang="zh-CN" altLang="en-US" dirty="0" smtClean="0"/>
+              <a:t>访问时重叠</a:t>
+            </a:r>
+            <a:r>
+              <a:rPr lang="en-US" altLang="zh-CN" dirty="0" smtClean="0"/>
+              <a:t>IO</a:t>
+            </a:r>
+            <a:r>
+              <a:rPr lang="zh-CN" altLang="en-US" dirty="0" smtClean="0"/>
+              <a:t>使用标志：</a:t>
+            </a:r>
+            <a:endParaRPr lang="en-US" altLang="zh-CN" dirty="0" smtClean="0"/>
+          </a:p>
+          <a:p>
+            <a:pPr lvl="1"/>
+            <a:r>
+              <a:rPr lang="en-US" altLang="zh-CN" dirty="0" smtClean="0"/>
+              <a:t>FILE_FLAG_OVERLAPPED</a:t>
+            </a:r>
+          </a:p>
+          <a:p>
+            <a:pPr lvl="1"/>
+            <a:r>
+              <a:rPr lang="en-US" altLang="zh-CN" dirty="0" smtClean="0"/>
+              <a:t>WSA_FLAG_OVERLAPPED</a:t>
+            </a:r>
+          </a:p>
+          <a:p>
+            <a:r>
+              <a:rPr lang="zh-CN" altLang="en-US" dirty="0" smtClean="0"/>
+              <a:t>在创建</a:t>
+            </a:r>
+            <a:r>
+              <a:rPr lang="en-US" altLang="zh-CN" dirty="0" smtClean="0"/>
+              <a:t>IO</a:t>
+            </a:r>
+            <a:r>
+              <a:rPr lang="zh-CN" altLang="en-US" dirty="0" smtClean="0"/>
+              <a:t>访问句柄时，对应的标志需要打开</a:t>
+            </a:r>
+            <a:endParaRPr lang="en-US" altLang="zh-CN" dirty="0" smtClean="0"/>
+          </a:p>
+          <a:p>
+            <a:pPr marL="0" indent="0">
+              <a:buNone/>
+            </a:pPr>
+            <a:endParaRPr lang="en-US" altLang="zh-CN" dirty="0" smtClean="0"/>
+          </a:p>
+          <a:p>
+            <a:pPr marL="0" indent="0">
+              <a:buNone/>
+            </a:pPr>
+            <a:r>
+              <a:rPr lang="zh-CN" altLang="en-US" dirty="0" smtClean="0"/>
+              <a:t>参考：</a:t>
+            </a:r>
+            <a:endParaRPr lang="en-US" altLang="zh-CN" dirty="0"/>
+          </a:p>
+          <a:p>
+            <a:pPr marL="0" indent="0">
+              <a:buNone/>
+            </a:pPr>
+            <a:r>
+              <a:rPr lang="en-US" altLang="zh-CN" b="1" dirty="0">
+                <a:hlinkClick r:id="rId2"/>
+              </a:rPr>
+              <a:t>http://</a:t>
+            </a:r>
+            <a:r>
+              <a:rPr lang="en-US" altLang="zh-CN" b="1" dirty="0" smtClean="0">
+                <a:hlinkClick r:id="rId2"/>
+              </a:rPr>
+              <a:t>blog.csdn.net/xiaoxiaoyu85/article/details/6534321</a:t>
+            </a:r>
+            <a:endParaRPr lang="zh-CN" altLang="en-US" dirty="0"/>
+          </a:p>
+        </p:txBody>
+      </p:sp>
+    </p:spTree>
+    <p:extLst>
+      <p:ext uri="{BB962C8B-B14F-4D97-AF65-F5344CB8AC3E}">
+        <p14:creationId xmlns:p14="http://schemas.microsoft.com/office/powerpoint/2010/main" val="1226847302"/>
+      </p:ext>
+    </p:extLst>
+  </p:cSld>
+  <p:clrMapOvr>
+    <a:masterClrMapping/>
+  </p:clrMapOvr>
+</p:sld>
+</file>
+
+<file path=ppt/slides/slide6.xml><?xml version="1.0" encoding="utf-8"?>
+<p:sld xmlns:a="http://schemas.openxmlformats.org/drawingml/2006/main" xmlns:r="http://schemas.openxmlformats.org/officeDocument/2006/relationships" xmlns:p="http://schemas.openxmlformats.org/presentationml/2006/main">
+  <p:cSld>
+    <p:spTree>
+      <p:nvGrpSpPr>
+        <p:cNvPr id="1" name=""/>
+        <p:cNvGrpSpPr/>
+        <p:nvPr/>
+      </p:nvGrpSpPr>
+      <p:grpSpPr>
+        <a:xfrm>
+          <a:off x="0" y="0"/>
+          <a:ext cx="0" cy="0"/>
+          <a:chOff x="0" y="0"/>
+          <a:chExt cx="0" cy="0"/>
+        </a:xfrm>
+      </p:grpSpPr>
+      <p:sp>
+        <p:nvSpPr>
+          <p:cNvPr id="2" name="标题 1"/>
+          <p:cNvSpPr>
+            <a:spLocks noGrp="1"/>
+          </p:cNvSpPr>
+          <p:nvPr>
+            <p:ph type="title"/>
+          </p:nvPr>
+        </p:nvSpPr>
+        <p:spPr/>
+        <p:txBody>
+          <a:bodyPr/>
+          <a:lstStyle/>
+          <a:p>
+            <a:r>
+              <a:rPr lang="en-US" altLang="zh-CN" dirty="0" smtClean="0"/>
+              <a:t>IOCP-</a:t>
+            </a:r>
+            <a:r>
+              <a:rPr lang="zh-CN" altLang="en-US" dirty="0" smtClean="0"/>
+              <a:t>网络开发</a:t>
+            </a:r>
+            <a:endParaRPr lang="zh-CN" altLang="en-US" dirty="0"/>
+          </a:p>
+        </p:txBody>
+      </p:sp>
+      <p:sp>
+        <p:nvSpPr>
+          <p:cNvPr id="3" name="内容占位符 2"/>
+          <p:cNvSpPr>
+            <a:spLocks noGrp="1"/>
+          </p:cNvSpPr>
+          <p:nvPr>
+            <p:ph idx="1"/>
+          </p:nvPr>
+        </p:nvSpPr>
+        <p:spPr/>
+        <p:txBody>
+          <a:bodyPr>
+            <a:normAutofit lnSpcReduction="10000"/>
+          </a:bodyPr>
+          <a:lstStyle/>
+          <a:p>
+            <a:r>
+              <a:rPr lang="zh-CN" altLang="en-US" dirty="0" smtClean="0">
+                <a:latin typeface="Consolas" pitchFamily="49" charset="0"/>
+                <a:ea typeface="宋体" pitchFamily="2" charset="-122"/>
+              </a:rPr>
+              <a:t>重要的接口</a:t>
+            </a:r>
+            <a:endParaRPr lang="en-US" altLang="zh-CN" dirty="0" smtClean="0">
+              <a:latin typeface="Consolas" pitchFamily="49" charset="0"/>
+              <a:ea typeface="宋体" pitchFamily="2" charset="-122"/>
+            </a:endParaRPr>
+          </a:p>
+          <a:p>
+            <a:pPr lvl="1"/>
+            <a:r>
+              <a:rPr lang="en-US" altLang="zh-CN" dirty="0" err="1" smtClean="0">
+                <a:latin typeface="Consolas" pitchFamily="49" charset="0"/>
+                <a:ea typeface="宋体" pitchFamily="2" charset="-122"/>
+              </a:rPr>
+              <a:t>CreateIoCompletionPort</a:t>
+            </a:r>
+            <a:endParaRPr lang="en-US" altLang="zh-CN" dirty="0" smtClean="0">
+              <a:latin typeface="Consolas" pitchFamily="49" charset="0"/>
+              <a:ea typeface="宋体" pitchFamily="2" charset="-122"/>
+            </a:endParaRPr>
+          </a:p>
+          <a:p>
+            <a:pPr lvl="1"/>
+            <a:r>
+              <a:rPr lang="en-US" altLang="zh-CN" dirty="0" err="1">
+                <a:latin typeface="Consolas" pitchFamily="49" charset="0"/>
+                <a:ea typeface="宋体" pitchFamily="2" charset="-122"/>
+              </a:rPr>
+              <a:t>GetQueuedCompletionStatus</a:t>
+            </a:r>
+            <a:endParaRPr lang="en-US" altLang="zh-CN" dirty="0">
+              <a:latin typeface="Consolas" pitchFamily="49" charset="0"/>
+              <a:ea typeface="宋体" pitchFamily="2" charset="-122"/>
+            </a:endParaRPr>
+          </a:p>
+          <a:p>
+            <a:pPr lvl="1"/>
+            <a:r>
+              <a:rPr lang="en-US" altLang="zh-CN" dirty="0" err="1" smtClean="0">
+                <a:latin typeface="Consolas" pitchFamily="49" charset="0"/>
+                <a:ea typeface="宋体" pitchFamily="2" charset="-122"/>
+              </a:rPr>
+              <a:t>CreateEvent</a:t>
+            </a:r>
+            <a:endParaRPr lang="en-US" altLang="zh-CN" dirty="0">
+              <a:latin typeface="Consolas" pitchFamily="49" charset="0"/>
+              <a:ea typeface="宋体" pitchFamily="2" charset="-122"/>
+            </a:endParaRPr>
+          </a:p>
+          <a:p>
+            <a:pPr lvl="1"/>
+            <a:r>
+              <a:rPr lang="en-US" altLang="zh-CN" dirty="0" err="1" smtClean="0">
+                <a:latin typeface="Consolas" pitchFamily="49" charset="0"/>
+                <a:ea typeface="宋体" pitchFamily="2" charset="-122"/>
+              </a:rPr>
+              <a:t>WSAEventSelect</a:t>
+            </a:r>
+            <a:endParaRPr lang="en-US" altLang="zh-CN" dirty="0" smtClean="0">
+              <a:latin typeface="Consolas" pitchFamily="49" charset="0"/>
+              <a:ea typeface="宋体" pitchFamily="2" charset="-122"/>
+            </a:endParaRPr>
+          </a:p>
+          <a:p>
+            <a:pPr lvl="1"/>
+            <a:r>
+              <a:rPr lang="en-US" altLang="zh-CN" dirty="0" err="1">
+                <a:latin typeface="Consolas" pitchFamily="49" charset="0"/>
+                <a:ea typeface="宋体" pitchFamily="2" charset="-122"/>
+              </a:rPr>
+              <a:t>WSASocket</a:t>
+            </a:r>
+            <a:endParaRPr lang="en-US" altLang="zh-CN" dirty="0">
+              <a:latin typeface="Consolas" pitchFamily="49" charset="0"/>
+              <a:ea typeface="宋体" pitchFamily="2" charset="-122"/>
+            </a:endParaRPr>
+          </a:p>
+          <a:p>
+            <a:pPr lvl="1"/>
+            <a:r>
+              <a:rPr lang="en-US" altLang="zh-CN" dirty="0" err="1">
+                <a:latin typeface="Consolas" pitchFamily="49" charset="0"/>
+                <a:ea typeface="宋体" pitchFamily="2" charset="-122"/>
+              </a:rPr>
+              <a:t>AcceptEx</a:t>
+            </a:r>
+            <a:endParaRPr lang="en-US" altLang="zh-CN" dirty="0">
+              <a:latin typeface="Consolas" pitchFamily="49" charset="0"/>
+              <a:ea typeface="宋体" pitchFamily="2" charset="-122"/>
+            </a:endParaRPr>
+          </a:p>
+          <a:p>
+            <a:pPr lvl="1"/>
+            <a:r>
+              <a:rPr lang="en-US" altLang="zh-CN" dirty="0" err="1" smtClean="0">
+                <a:latin typeface="Consolas" pitchFamily="49" charset="0"/>
+                <a:ea typeface="宋体" pitchFamily="2" charset="-122"/>
+              </a:rPr>
+              <a:t>WSASend</a:t>
+            </a:r>
+            <a:endParaRPr lang="en-US" altLang="zh-CN" dirty="0" smtClean="0">
+              <a:latin typeface="Consolas" pitchFamily="49" charset="0"/>
+              <a:ea typeface="宋体" pitchFamily="2" charset="-122"/>
+            </a:endParaRPr>
+          </a:p>
+          <a:p>
+            <a:pPr lvl="1"/>
+            <a:r>
+              <a:rPr lang="en-US" altLang="zh-CN" dirty="0" err="1" smtClean="0">
+                <a:latin typeface="Consolas" pitchFamily="49" charset="0"/>
+                <a:ea typeface="宋体" pitchFamily="2" charset="-122"/>
+              </a:rPr>
+              <a:t>WSARecv</a:t>
+            </a:r>
+            <a:endParaRPr lang="en-US" altLang="zh-CN" dirty="0">
+              <a:latin typeface="Consolas" pitchFamily="49" charset="0"/>
+              <a:ea typeface="宋体" pitchFamily="2" charset="-122"/>
+            </a:endParaRPr>
+          </a:p>
+          <a:p>
+            <a:pPr lvl="1"/>
+            <a:endParaRPr lang="en-US" altLang="zh-CN" dirty="0">
+              <a:latin typeface="Consolas" pitchFamily="49" charset="0"/>
+              <a:ea typeface="宋体" pitchFamily="2" charset="-122"/>
+            </a:endParaRPr>
+          </a:p>
+          <a:p>
+            <a:pPr marL="0" indent="0">
+              <a:buNone/>
+            </a:pPr>
+            <a:endParaRPr lang="zh-CN" altLang="en-US" dirty="0">
+              <a:latin typeface="Consolas" pitchFamily="49" charset="0"/>
+              <a:ea typeface="宋体" pitchFamily="2" charset="-122"/>
+            </a:endParaRPr>
+          </a:p>
+        </p:txBody>
+      </p:sp>
+    </p:spTree>
+    <p:extLst>
+      <p:ext uri="{BB962C8B-B14F-4D97-AF65-F5344CB8AC3E}">
+        <p14:creationId xmlns:p14="http://schemas.microsoft.com/office/powerpoint/2010/main" val="3465864626"/>
+      </p:ext>
+    </p:extLst>
+  </p:cSld>
+  <p:clrMapOvr>
+    <a:masterClrMapping/>
+  </p:clrMapOvr>
+</p:sld>
+</file>
+
+<file path=ppt/slides/slide7.xml><?xml version="1.0" encoding="utf-8"?>
+<p:sld xmlns:a="http://schemas.openxmlformats.org/drawingml/2006/main" xmlns:r="http://schemas.openxmlformats.org/officeDocument/2006/relationships" xmlns:p="http://schemas.openxmlformats.org/presentationml/2006/main">
+  <p:cSld>
+    <p:spTree>
+      <p:nvGrpSpPr>
+        <p:cNvPr id="1" name=""/>
+        <p:cNvGrpSpPr/>
+        <p:nvPr/>
+      </p:nvGrpSpPr>
+      <p:grpSpPr>
+        <a:xfrm>
+          <a:off x="0" y="0"/>
+          <a:ext cx="0" cy="0"/>
+          <a:chOff x="0" y="0"/>
+          <a:chExt cx="0" cy="0"/>
+        </a:xfrm>
+      </p:grpSpPr>
+      <p:sp>
+        <p:nvSpPr>
+          <p:cNvPr id="2" name="标题 1"/>
+          <p:cNvSpPr>
+            <a:spLocks noGrp="1"/>
+          </p:cNvSpPr>
+          <p:nvPr>
+            <p:ph type="title"/>
+          </p:nvPr>
+        </p:nvSpPr>
+        <p:spPr/>
+        <p:txBody>
+          <a:bodyPr/>
+          <a:lstStyle/>
+          <a:p>
+            <a:r>
+              <a:rPr lang="en-US" altLang="zh-CN" dirty="0" smtClean="0"/>
+              <a:t>IOCP—</a:t>
+            </a:r>
+            <a:r>
+              <a:rPr lang="zh-CN" altLang="en-US" dirty="0" smtClean="0"/>
+              <a:t>接口说明</a:t>
+            </a:r>
+            <a:endParaRPr lang="zh-CN" altLang="en-US" dirty="0"/>
+          </a:p>
+        </p:txBody>
+      </p:sp>
+      <p:sp>
+        <p:nvSpPr>
+          <p:cNvPr id="3" name="内容占位符 2"/>
+          <p:cNvSpPr>
+            <a:spLocks noGrp="1"/>
+          </p:cNvSpPr>
+          <p:nvPr>
+            <p:ph idx="1"/>
+          </p:nvPr>
+        </p:nvSpPr>
+        <p:spPr/>
+        <p:txBody>
+          <a:bodyPr/>
+          <a:lstStyle/>
+          <a:p>
+            <a:pPr marL="0" indent="0">
+              <a:buNone/>
+            </a:pPr>
+            <a:r>
+              <a:rPr lang="en-US" altLang="zh-CN" sz="2000" dirty="0"/>
+              <a:t>HANDLE WINAPI </a:t>
+            </a:r>
+            <a:r>
+              <a:rPr lang="en-US" altLang="zh-CN" sz="2000" dirty="0" err="1" smtClean="0"/>
+              <a:t>CreateIoCompletionPort</a:t>
+            </a:r>
+            <a:r>
+              <a:rPr lang="en-US" altLang="zh-CN" sz="2000" dirty="0"/>
+              <a:t>( </a:t>
+            </a:r>
+            <a:endParaRPr lang="en-US" altLang="zh-CN" sz="2000" dirty="0" smtClean="0"/>
+          </a:p>
+          <a:p>
+            <a:pPr marL="0" indent="0">
+              <a:buNone/>
+            </a:pPr>
+            <a:r>
+              <a:rPr lang="en-US" altLang="zh-CN" sz="2000" dirty="0" smtClean="0"/>
+              <a:t>_</a:t>
+            </a:r>
+            <a:r>
+              <a:rPr lang="en-US" altLang="zh-CN" sz="2000" dirty="0"/>
+              <a:t>In_      </a:t>
+            </a:r>
+            <a:r>
+              <a:rPr lang="en-US" altLang="zh-CN" sz="2000" dirty="0" smtClean="0"/>
+              <a:t>	  HANDLE </a:t>
+            </a:r>
+            <a:r>
+              <a:rPr lang="en-US" altLang="zh-CN" sz="2000" dirty="0" err="1"/>
+              <a:t>FileHandle</a:t>
+            </a:r>
+            <a:r>
+              <a:rPr lang="en-US" altLang="zh-CN" sz="2000" dirty="0"/>
+              <a:t>, </a:t>
+            </a:r>
+            <a:endParaRPr lang="en-US" altLang="zh-CN" sz="2000" dirty="0" smtClean="0"/>
+          </a:p>
+          <a:p>
+            <a:pPr marL="0" indent="0">
+              <a:buNone/>
+            </a:pPr>
+            <a:r>
+              <a:rPr lang="en-US" altLang="zh-CN" sz="2000" dirty="0" smtClean="0"/>
+              <a:t>_</a:t>
+            </a:r>
+            <a:r>
+              <a:rPr lang="en-US" altLang="zh-CN" sz="2000" dirty="0" err="1"/>
+              <a:t>In_opt</a:t>
+            </a:r>
+            <a:r>
+              <a:rPr lang="en-US" altLang="zh-CN" sz="2000" dirty="0"/>
+              <a:t>_  </a:t>
+            </a:r>
+            <a:r>
+              <a:rPr lang="en-US" altLang="zh-CN" sz="2000" dirty="0" smtClean="0"/>
+              <a:t>HANDLE </a:t>
+            </a:r>
+            <a:r>
+              <a:rPr lang="en-US" altLang="zh-CN" sz="2000" dirty="0" err="1"/>
+              <a:t>ExistingCompletionPort</a:t>
+            </a:r>
+            <a:r>
+              <a:rPr lang="en-US" altLang="zh-CN" sz="2000" dirty="0"/>
+              <a:t>, </a:t>
+            </a:r>
+            <a:endParaRPr lang="en-US" altLang="zh-CN" sz="2000" dirty="0" smtClean="0"/>
+          </a:p>
+          <a:p>
+            <a:pPr marL="0" indent="0">
+              <a:buNone/>
+            </a:pPr>
+            <a:r>
+              <a:rPr lang="en-US" altLang="zh-CN" sz="2000" dirty="0" smtClean="0"/>
+              <a:t>_</a:t>
+            </a:r>
+            <a:r>
+              <a:rPr lang="en-US" altLang="zh-CN" sz="2000" dirty="0"/>
+              <a:t>In_     </a:t>
+            </a:r>
+            <a:r>
+              <a:rPr lang="en-US" altLang="zh-CN" sz="2000" dirty="0" smtClean="0"/>
+              <a:t>	   ULONG_PTR </a:t>
+            </a:r>
+            <a:r>
+              <a:rPr lang="en-US" altLang="zh-CN" sz="2000" dirty="0" err="1"/>
+              <a:t>CompletionKey</a:t>
+            </a:r>
+            <a:r>
+              <a:rPr lang="en-US" altLang="zh-CN" sz="2000" dirty="0"/>
+              <a:t>, </a:t>
+            </a:r>
+            <a:endParaRPr lang="en-US" altLang="zh-CN" sz="2000" dirty="0" smtClean="0"/>
+          </a:p>
+          <a:p>
+            <a:pPr marL="0" indent="0">
+              <a:buNone/>
+            </a:pPr>
+            <a:r>
+              <a:rPr lang="en-US" altLang="zh-CN" sz="2000" dirty="0" smtClean="0"/>
+              <a:t>_</a:t>
+            </a:r>
+            <a:r>
+              <a:rPr lang="en-US" altLang="zh-CN" sz="2000" dirty="0"/>
+              <a:t>In_      </a:t>
+            </a:r>
+            <a:r>
+              <a:rPr lang="en-US" altLang="zh-CN" sz="2000" dirty="0" smtClean="0"/>
+              <a:t>	   DWORD </a:t>
+            </a:r>
+            <a:r>
+              <a:rPr lang="en-US" altLang="zh-CN" sz="2000" dirty="0" err="1"/>
+              <a:t>NumberOfConcurrentThreads</a:t>
+            </a:r>
+            <a:r>
+              <a:rPr lang="en-US" altLang="zh-CN" sz="2000" dirty="0"/>
+              <a:t> </a:t>
+            </a:r>
+            <a:r>
+              <a:rPr lang="en-US" altLang="zh-CN" sz="2000" dirty="0" smtClean="0"/>
+              <a:t>);</a:t>
+            </a:r>
+          </a:p>
+          <a:p>
+            <a:pPr marL="0" indent="0">
+              <a:buNone/>
+            </a:pPr>
+            <a:endParaRPr lang="en-US" altLang="zh-CN" sz="2000" dirty="0">
+              <a:latin typeface="Consolas" pitchFamily="49" charset="0"/>
+              <a:ea typeface="宋体" pitchFamily="2" charset="-122"/>
+            </a:endParaRPr>
+          </a:p>
+          <a:p>
+            <a:pPr marL="0" indent="0">
+              <a:buNone/>
+            </a:pPr>
+            <a:r>
+              <a:rPr lang="zh-CN" altLang="en-US" sz="2000" dirty="0" smtClean="0">
+                <a:latin typeface="Consolas" pitchFamily="49" charset="0"/>
+                <a:ea typeface="宋体" pitchFamily="2" charset="-122"/>
+              </a:rPr>
+              <a:t>创建</a:t>
+            </a:r>
+            <a:r>
+              <a:rPr lang="en-US" altLang="zh-CN" sz="2000" dirty="0" smtClean="0">
+                <a:latin typeface="Consolas" pitchFamily="49" charset="0"/>
+                <a:ea typeface="宋体" pitchFamily="2" charset="-122"/>
+              </a:rPr>
+              <a:t>IOCP</a:t>
+            </a:r>
+            <a:r>
+              <a:rPr lang="zh-CN" altLang="en-US" sz="2000" dirty="0" smtClean="0">
+                <a:latin typeface="Consolas" pitchFamily="49" charset="0"/>
+                <a:ea typeface="宋体" pitchFamily="2" charset="-122"/>
+              </a:rPr>
+              <a:t>对象，返回对象句柄</a:t>
+            </a:r>
+            <a:endParaRPr lang="en-US" altLang="zh-CN" sz="2000" dirty="0">
+              <a:latin typeface="Consolas" pitchFamily="49" charset="0"/>
+              <a:ea typeface="宋体" pitchFamily="2" charset="-122"/>
+            </a:endParaRPr>
+          </a:p>
+          <a:p>
+            <a:pPr marL="0" indent="0">
+              <a:buNone/>
+            </a:pPr>
+            <a:r>
+              <a:rPr lang="zh-CN" altLang="en-US" sz="2000" dirty="0" smtClean="0">
+                <a:latin typeface="Consolas" pitchFamily="49" charset="0"/>
+                <a:ea typeface="宋体" pitchFamily="2" charset="-122"/>
+              </a:rPr>
+              <a:t>将</a:t>
+            </a:r>
+            <a:r>
+              <a:rPr lang="en-US" altLang="zh-CN" sz="2000" dirty="0" smtClean="0">
+                <a:latin typeface="Consolas" pitchFamily="49" charset="0"/>
+                <a:ea typeface="宋体" pitchFamily="2" charset="-122"/>
+              </a:rPr>
+              <a:t>SOCKET</a:t>
+            </a:r>
+            <a:r>
+              <a:rPr lang="zh-CN" altLang="en-US" sz="2000" dirty="0" smtClean="0">
+                <a:latin typeface="Consolas" pitchFamily="49" charset="0"/>
+                <a:ea typeface="宋体" pitchFamily="2" charset="-122"/>
+              </a:rPr>
+              <a:t>句柄和</a:t>
+            </a:r>
+            <a:r>
+              <a:rPr lang="en-US" altLang="zh-CN" sz="2000" dirty="0" smtClean="0">
+                <a:latin typeface="Consolas" pitchFamily="49" charset="0"/>
+                <a:ea typeface="宋体" pitchFamily="2" charset="-122"/>
+              </a:rPr>
+              <a:t>IOCP</a:t>
+            </a:r>
+            <a:r>
+              <a:rPr lang="zh-CN" altLang="en-US" sz="2000" dirty="0" smtClean="0">
+                <a:latin typeface="Consolas" pitchFamily="49" charset="0"/>
+                <a:ea typeface="宋体" pitchFamily="2" charset="-122"/>
+              </a:rPr>
+              <a:t>句柄关联起来</a:t>
+            </a:r>
+            <a:endParaRPr lang="zh-CN" altLang="en-US" sz="2000" dirty="0"/>
+          </a:p>
+        </p:txBody>
+      </p:sp>
+    </p:spTree>
+    <p:extLst>
+      <p:ext uri="{BB962C8B-B14F-4D97-AF65-F5344CB8AC3E}">
+        <p14:creationId xmlns:p14="http://schemas.microsoft.com/office/powerpoint/2010/main" val="294124827"/>
+      </p:ext>
+    </p:extLst>
+  </p:cSld>
+  <p:clrMapOvr>
+    <a:masterClrMapping/>
+  </p:clrMapOvr>
+</p:sld>
+</file>
+
+<file path=ppt/slides/slide8.xml><?xml version="1.0" encoding="utf-8"?>
+<p:sld xmlns:a="http://schemas.openxmlformats.org/drawingml/2006/main" xmlns:r="http://schemas.openxmlformats.org/officeDocument/2006/relationships" xmlns:p="http://schemas.openxmlformats.org/presentationml/2006/main">
+  <p:cSld>
+    <p:spTree>
+      <p:nvGrpSpPr>
+        <p:cNvPr id="1" name=""/>
+        <p:cNvGrpSpPr/>
+        <p:nvPr/>
+      </p:nvGrpSpPr>
+      <p:grpSpPr>
+        <a:xfrm>
+          <a:off x="0" y="0"/>
+          <a:ext cx="0" cy="0"/>
+          <a:chOff x="0" y="0"/>
+          <a:chExt cx="0" cy="0"/>
+        </a:xfrm>
+      </p:grpSpPr>
+      <p:sp>
+        <p:nvSpPr>
+          <p:cNvPr id="2" name="标题 1"/>
+          <p:cNvSpPr>
+            <a:spLocks noGrp="1"/>
+          </p:cNvSpPr>
+          <p:nvPr>
+            <p:ph type="title"/>
+          </p:nvPr>
+        </p:nvSpPr>
+        <p:spPr/>
+        <p:txBody>
+          <a:bodyPr/>
+          <a:lstStyle/>
+          <a:p>
+            <a:endParaRPr lang="zh-CN" altLang="en-US"/>
+          </a:p>
+        </p:txBody>
+      </p:sp>
+      <p:sp>
+        <p:nvSpPr>
+          <p:cNvPr id="3" name="内容占位符 2"/>
+          <p:cNvSpPr>
+            <a:spLocks noGrp="1"/>
+          </p:cNvSpPr>
+          <p:nvPr>
+            <p:ph idx="1"/>
+          </p:nvPr>
+        </p:nvSpPr>
+        <p:spPr/>
+        <p:txBody>
+          <a:bodyPr>
+            <a:normAutofit/>
+          </a:bodyPr>
+          <a:lstStyle/>
+          <a:p>
+            <a:pPr marL="0" indent="0">
+              <a:buNone/>
+            </a:pPr>
+            <a:r>
+              <a:rPr lang="en-US" altLang="zh-CN" sz="2000" b="1" dirty="0"/>
+              <a:t>BOOL WINAPI </a:t>
+            </a:r>
+            <a:r>
+              <a:rPr lang="en-US" altLang="zh-CN" sz="2000" b="1" dirty="0" err="1"/>
+              <a:t>GetQueuedCompletionStatus</a:t>
+            </a:r>
+            <a:r>
+              <a:rPr lang="en-US" altLang="zh-CN" sz="2000" b="1" dirty="0"/>
+              <a:t>(</a:t>
+            </a:r>
+          </a:p>
+          <a:p>
+            <a:pPr marL="0" indent="0">
+              <a:buNone/>
+            </a:pPr>
+            <a:r>
+              <a:rPr lang="en-US" altLang="zh-CN" sz="2000" b="1" dirty="0"/>
+              <a:t>_In_   HANDLE </a:t>
+            </a:r>
+            <a:r>
+              <a:rPr lang="en-US" altLang="zh-CN" sz="2000" b="1" dirty="0" err="1"/>
+              <a:t>CompletionPort</a:t>
+            </a:r>
+            <a:r>
+              <a:rPr lang="en-US" altLang="zh-CN" sz="2000" b="1" dirty="0"/>
+              <a:t>,</a:t>
+            </a:r>
+          </a:p>
+          <a:p>
+            <a:pPr marL="0" indent="0">
+              <a:buNone/>
+            </a:pPr>
+            <a:r>
+              <a:rPr lang="en-US" altLang="zh-CN" sz="2000" b="1" dirty="0"/>
+              <a:t>_Out_  LPDWORD </a:t>
+            </a:r>
+            <a:r>
+              <a:rPr lang="en-US" altLang="zh-CN" sz="2000" b="1" dirty="0" err="1"/>
+              <a:t>lpNumberOfBytes</a:t>
+            </a:r>
+            <a:r>
+              <a:rPr lang="en-US" altLang="zh-CN" sz="2000" b="1" dirty="0"/>
+              <a:t>,</a:t>
+            </a:r>
+          </a:p>
+          <a:p>
+            <a:pPr marL="0" indent="0">
+              <a:buNone/>
+            </a:pPr>
+            <a:r>
+              <a:rPr lang="en-US" altLang="zh-CN" sz="2000" b="1" dirty="0"/>
+              <a:t>_Out_  PULONG_PTR </a:t>
+            </a:r>
+            <a:r>
+              <a:rPr lang="en-US" altLang="zh-CN" sz="2000" b="1" dirty="0" err="1"/>
+              <a:t>lpCompletionKey</a:t>
+            </a:r>
+            <a:r>
+              <a:rPr lang="en-US" altLang="zh-CN" sz="2000" b="1" dirty="0"/>
+              <a:t>,</a:t>
+            </a:r>
+          </a:p>
+          <a:p>
+            <a:pPr marL="0" indent="0">
+              <a:buNone/>
+            </a:pPr>
+            <a:r>
+              <a:rPr lang="en-US" altLang="zh-CN" sz="2000" b="1" dirty="0"/>
+              <a:t>_Out_  LPOVERLAPPED *</a:t>
+            </a:r>
+            <a:r>
+              <a:rPr lang="en-US" altLang="zh-CN" sz="2000" b="1" dirty="0" err="1"/>
+              <a:t>lpOverlapped</a:t>
+            </a:r>
+            <a:r>
+              <a:rPr lang="en-US" altLang="zh-CN" sz="2000" b="1" dirty="0"/>
+              <a:t>,</a:t>
+            </a:r>
+          </a:p>
+          <a:p>
+            <a:pPr marL="0" indent="0">
+              <a:buNone/>
+            </a:pPr>
+            <a:r>
+              <a:rPr lang="en-US" altLang="zh-CN" sz="2000" b="1" dirty="0"/>
+              <a:t>_In_   DWORD </a:t>
+            </a:r>
+            <a:r>
+              <a:rPr lang="en-US" altLang="zh-CN" sz="2000" b="1" dirty="0" err="1" smtClean="0"/>
+              <a:t>dwMilliseconds</a:t>
+            </a:r>
+            <a:r>
+              <a:rPr lang="en-US" altLang="zh-CN" sz="2000" b="1" dirty="0" smtClean="0"/>
+              <a:t>);</a:t>
+            </a:r>
+          </a:p>
+          <a:p>
+            <a:pPr marL="0" indent="0">
+              <a:buNone/>
+            </a:pPr>
+            <a:endParaRPr lang="en-US" altLang="zh-CN" sz="2000" b="1" dirty="0"/>
+          </a:p>
+          <a:p>
+            <a:pPr marL="0" indent="0">
+              <a:buNone/>
+            </a:pPr>
+            <a:r>
+              <a:rPr lang="zh-CN" altLang="en-US" sz="2000" dirty="0" smtClean="0"/>
+              <a:t>从完成端口的完成队列中取出一个完成包。对应的</a:t>
+            </a:r>
+            <a:r>
+              <a:rPr lang="en-US" altLang="zh-CN" sz="2000" dirty="0" smtClean="0"/>
+              <a:t>CK</a:t>
+            </a:r>
+            <a:r>
+              <a:rPr lang="zh-CN" altLang="en-US" sz="2000" dirty="0" smtClean="0"/>
+              <a:t>和</a:t>
+            </a:r>
+            <a:r>
+              <a:rPr lang="en-US" altLang="zh-CN" sz="2000" dirty="0" smtClean="0"/>
+              <a:t>Overlapped</a:t>
+            </a:r>
+            <a:r>
+              <a:rPr lang="zh-CN" altLang="en-US" sz="2000" dirty="0" smtClean="0"/>
+              <a:t>通过指针返回。</a:t>
+            </a:r>
+            <a:endParaRPr lang="en-US" altLang="zh-CN" sz="2000" dirty="0"/>
+          </a:p>
+        </p:txBody>
+      </p:sp>
+    </p:spTree>
+    <p:extLst>
+      <p:ext uri="{BB962C8B-B14F-4D97-AF65-F5344CB8AC3E}">
+        <p14:creationId xmlns:p14="http://schemas.microsoft.com/office/powerpoint/2010/main" val="1159043116"/>
+      </p:ext>
+    </p:extLst>
+  </p:cSld>
+  <p:clrMapOvr>
+    <a:masterClrMapping/>
+  </p:clrMapOvr>
+</p:sld>
+</file>
+
+<file path=ppt/slides/slide9.xml><?xml version="1.0" encoding="utf-8"?>
+<p:sld xmlns:a="http://schemas.openxmlformats.org/drawingml/2006/main" xmlns:r="http://schemas.openxmlformats.org/officeDocument/2006/relationships" xmlns:p="http://schemas.openxmlformats.org/presentationml/2006/main">
+  <p:cSld>
+    <p:spTree>
+      <p:nvGrpSpPr>
+        <p:cNvPr id="1" name=""/>
+        <p:cNvGrpSpPr/>
+        <p:nvPr/>
+      </p:nvGrpSpPr>
+      <p:grpSpPr>
+        <a:xfrm>
+          <a:off x="0" y="0"/>
+          <a:ext cx="0" cy="0"/>
+          <a:chOff x="0" y="0"/>
+          <a:chExt cx="0" cy="0"/>
+        </a:xfrm>
+      </p:grpSpPr>
+      <p:sp>
+        <p:nvSpPr>
+          <p:cNvPr id="2" name="标题 1"/>
+          <p:cNvSpPr>
+            <a:spLocks noGrp="1"/>
+          </p:cNvSpPr>
+          <p:nvPr>
+            <p:ph type="title"/>
+          </p:nvPr>
+        </p:nvSpPr>
+        <p:spPr/>
+        <p:txBody>
+          <a:bodyPr/>
+          <a:lstStyle/>
+          <a:p>
+            <a:r>
+              <a:rPr lang="en-US" altLang="zh-CN" dirty="0"/>
+              <a:t>IOCP—</a:t>
+            </a:r>
+            <a:r>
+              <a:rPr lang="zh-CN" altLang="en-US" dirty="0"/>
+              <a:t>接口说明</a:t>
+            </a:r>
+          </a:p>
+        </p:txBody>
+      </p:sp>
+      <p:sp>
+        <p:nvSpPr>
+          <p:cNvPr id="3" name="内容占位符 2"/>
+          <p:cNvSpPr>
+            <a:spLocks noGrp="1"/>
+          </p:cNvSpPr>
+          <p:nvPr>
+            <p:ph idx="1"/>
+          </p:nvPr>
+        </p:nvSpPr>
+        <p:spPr/>
+        <p:txBody>
+          <a:bodyPr>
+            <a:normAutofit/>
+          </a:bodyPr>
+          <a:lstStyle/>
+          <a:p>
+            <a:pPr marL="0" indent="0">
+              <a:buNone/>
+            </a:pPr>
+            <a:r>
+              <a:rPr lang="en-US" altLang="zh-CN" sz="2000" dirty="0"/>
+              <a:t>HANDLE WINAPI </a:t>
+            </a:r>
+            <a:r>
+              <a:rPr lang="en-US" altLang="zh-CN" sz="2000" dirty="0" err="1"/>
+              <a:t>CreateEvent</a:t>
+            </a:r>
+            <a:r>
+              <a:rPr lang="en-US" altLang="zh-CN" sz="2000" dirty="0"/>
+              <a:t>( </a:t>
+            </a:r>
+            <a:endParaRPr lang="en-US" altLang="zh-CN" sz="2000" dirty="0" smtClean="0"/>
+          </a:p>
+          <a:p>
+            <a:pPr marL="0" indent="0">
+              <a:buNone/>
+            </a:pPr>
+            <a:r>
+              <a:rPr lang="en-US" altLang="zh-CN" sz="2000" dirty="0" smtClean="0"/>
+              <a:t>_</a:t>
+            </a:r>
+            <a:r>
+              <a:rPr lang="en-US" altLang="zh-CN" sz="2000" dirty="0" err="1"/>
+              <a:t>In_opt</a:t>
+            </a:r>
+            <a:r>
+              <a:rPr lang="en-US" altLang="zh-CN" sz="2000" dirty="0"/>
+              <a:t>_  LPSECURITY_ATTRIBUTES </a:t>
+            </a:r>
+            <a:r>
+              <a:rPr lang="en-US" altLang="zh-CN" sz="2000" dirty="0" err="1"/>
+              <a:t>lpEventAttributes</a:t>
+            </a:r>
+            <a:r>
+              <a:rPr lang="en-US" altLang="zh-CN" sz="2000" dirty="0"/>
+              <a:t>, </a:t>
+            </a:r>
+            <a:endParaRPr lang="en-US" altLang="zh-CN" sz="2000" dirty="0" smtClean="0"/>
+          </a:p>
+          <a:p>
+            <a:pPr marL="0" indent="0">
+              <a:buNone/>
+            </a:pPr>
+            <a:r>
+              <a:rPr lang="en-US" altLang="zh-CN" sz="2000" dirty="0" smtClean="0"/>
+              <a:t>_</a:t>
+            </a:r>
+            <a:r>
+              <a:rPr lang="en-US" altLang="zh-CN" sz="2000" dirty="0"/>
+              <a:t>In_      BOOL </a:t>
+            </a:r>
+            <a:r>
+              <a:rPr lang="en-US" altLang="zh-CN" sz="2000" dirty="0" err="1"/>
+              <a:t>bManualReset</a:t>
+            </a:r>
+            <a:r>
+              <a:rPr lang="en-US" altLang="zh-CN" sz="2000" dirty="0"/>
+              <a:t>, </a:t>
+            </a:r>
+            <a:endParaRPr lang="en-US" altLang="zh-CN" sz="2000" dirty="0" smtClean="0"/>
+          </a:p>
+          <a:p>
+            <a:pPr marL="0" indent="0">
+              <a:buNone/>
+            </a:pPr>
+            <a:r>
+              <a:rPr lang="en-US" altLang="zh-CN" sz="2000" dirty="0" smtClean="0"/>
+              <a:t>_</a:t>
+            </a:r>
+            <a:r>
+              <a:rPr lang="en-US" altLang="zh-CN" sz="2000" dirty="0"/>
+              <a:t>In_      BOOL </a:t>
+            </a:r>
+            <a:r>
+              <a:rPr lang="en-US" altLang="zh-CN" sz="2000" dirty="0" err="1"/>
+              <a:t>bInitialState</a:t>
+            </a:r>
+            <a:r>
+              <a:rPr lang="en-US" altLang="zh-CN" sz="2000" dirty="0"/>
+              <a:t>, </a:t>
+            </a:r>
+            <a:endParaRPr lang="en-US" altLang="zh-CN" sz="2000" dirty="0" smtClean="0"/>
+          </a:p>
+          <a:p>
+            <a:pPr marL="0" indent="0">
+              <a:buNone/>
+            </a:pPr>
+            <a:r>
+              <a:rPr lang="en-US" altLang="zh-CN" sz="2000" dirty="0" smtClean="0"/>
+              <a:t>_</a:t>
+            </a:r>
+            <a:r>
+              <a:rPr lang="en-US" altLang="zh-CN" sz="2000" dirty="0" err="1"/>
+              <a:t>In_opt</a:t>
+            </a:r>
+            <a:r>
+              <a:rPr lang="en-US" altLang="zh-CN" sz="2000" dirty="0"/>
+              <a:t>_  LPCTSTR </a:t>
+            </a:r>
+            <a:r>
+              <a:rPr lang="en-US" altLang="zh-CN" sz="2000" dirty="0" err="1"/>
+              <a:t>lpName</a:t>
+            </a:r>
+            <a:r>
+              <a:rPr lang="en-US" altLang="zh-CN" sz="2000" dirty="0"/>
+              <a:t> ); </a:t>
+            </a:r>
+            <a:endParaRPr lang="en-US" altLang="zh-CN" sz="2000" dirty="0" smtClean="0"/>
+          </a:p>
+          <a:p>
+            <a:pPr marL="0" indent="0">
+              <a:buNone/>
+            </a:pPr>
+            <a:endParaRPr lang="en-US" altLang="zh-CN" sz="2000" dirty="0"/>
+          </a:p>
+          <a:p>
+            <a:pPr marL="0" indent="0">
+              <a:buNone/>
+            </a:pPr>
+            <a:r>
+              <a:rPr lang="zh-CN" altLang="en-US" sz="2000" dirty="0" smtClean="0"/>
+              <a:t>创建一个事件，用于监听</a:t>
+            </a:r>
+            <a:r>
+              <a:rPr lang="en-US" altLang="zh-CN" sz="2000" dirty="0" err="1" smtClean="0"/>
+              <a:t>AcceptEx</a:t>
+            </a:r>
+            <a:r>
+              <a:rPr lang="zh-CN" altLang="en-US" sz="2000" dirty="0" smtClean="0"/>
+              <a:t>预创建的</a:t>
+            </a:r>
+            <a:r>
+              <a:rPr lang="en-US" altLang="zh-CN" sz="2000" dirty="0" err="1" smtClean="0"/>
+              <a:t>Sokcet</a:t>
+            </a:r>
+            <a:r>
+              <a:rPr lang="zh-CN" altLang="en-US" sz="2000" dirty="0" smtClean="0"/>
+              <a:t>是否用完。</a:t>
+            </a:r>
+            <a:endParaRPr lang="zh-CN" altLang="en-US" sz="2000" dirty="0"/>
+          </a:p>
+        </p:txBody>
+      </p:sp>
+    </p:spTree>
+    <p:extLst>
+      <p:ext uri="{BB962C8B-B14F-4D97-AF65-F5344CB8AC3E}">
+        <p14:creationId xmlns:p14="http://schemas.microsoft.com/office/powerpoint/2010/main" val="513613333"/>
       </p:ext>
     </p:extLst>
   </p:cSld>

--- a/Doc/IOCP.pptx
+++ b/Doc/IOCP.pptx
@@ -302,7 +302,7 @@
           <a:p>
             <a:fld id="{530820CF-B880-4189-942D-D702A7CBA730}" type="datetimeFigureOut">
               <a:rPr lang="zh-CN" altLang="en-US" smtClean="0"/>
-              <a:t>2015/7/13</a:t>
+              <a:t>2015/7/14</a:t>
             </a:fld>
             <a:endParaRPr lang="zh-CN" altLang="en-US"/>
           </a:p>
@@ -467,7 +467,7 @@
           <a:p>
             <a:fld id="{530820CF-B880-4189-942D-D702A7CBA730}" type="datetimeFigureOut">
               <a:rPr lang="zh-CN" altLang="en-US" smtClean="0"/>
-              <a:t>2015/7/13</a:t>
+              <a:t>2015/7/14</a:t>
             </a:fld>
             <a:endParaRPr lang="zh-CN" altLang="en-US"/>
           </a:p>
@@ -642,7 +642,7 @@
           <a:p>
             <a:fld id="{530820CF-B880-4189-942D-D702A7CBA730}" type="datetimeFigureOut">
               <a:rPr lang="zh-CN" altLang="en-US" smtClean="0"/>
-              <a:t>2015/7/13</a:t>
+              <a:t>2015/7/14</a:t>
             </a:fld>
             <a:endParaRPr lang="zh-CN" altLang="en-US"/>
           </a:p>
@@ -807,7 +807,7 @@
           <a:p>
             <a:fld id="{530820CF-B880-4189-942D-D702A7CBA730}" type="datetimeFigureOut">
               <a:rPr lang="zh-CN" altLang="en-US" smtClean="0"/>
-              <a:t>2015/7/13</a:t>
+              <a:t>2015/7/14</a:t>
             </a:fld>
             <a:endParaRPr lang="zh-CN" altLang="en-US"/>
           </a:p>
@@ -1048,7 +1048,7 @@
           <a:p>
             <a:fld id="{530820CF-B880-4189-942D-D702A7CBA730}" type="datetimeFigureOut">
               <a:rPr lang="zh-CN" altLang="en-US" smtClean="0"/>
-              <a:t>2015/7/13</a:t>
+              <a:t>2015/7/14</a:t>
             </a:fld>
             <a:endParaRPr lang="zh-CN" altLang="en-US"/>
           </a:p>
@@ -1331,7 +1331,7 @@
           <a:p>
             <a:fld id="{530820CF-B880-4189-942D-D702A7CBA730}" type="datetimeFigureOut">
               <a:rPr lang="zh-CN" altLang="en-US" smtClean="0"/>
-              <a:t>2015/7/13</a:t>
+              <a:t>2015/7/14</a:t>
             </a:fld>
             <a:endParaRPr lang="zh-CN" altLang="en-US"/>
           </a:p>
@@ -1748,7 +1748,7 @@
           <a:p>
             <a:fld id="{530820CF-B880-4189-942D-D702A7CBA730}" type="datetimeFigureOut">
               <a:rPr lang="zh-CN" altLang="en-US" smtClean="0"/>
-              <a:t>2015/7/13</a:t>
+              <a:t>2015/7/14</a:t>
             </a:fld>
             <a:endParaRPr lang="zh-CN" altLang="en-US"/>
           </a:p>
@@ -1861,7 +1861,7 @@
           <a:p>
             <a:fld id="{530820CF-B880-4189-942D-D702A7CBA730}" type="datetimeFigureOut">
               <a:rPr lang="zh-CN" altLang="en-US" smtClean="0"/>
-              <a:t>2015/7/13</a:t>
+              <a:t>2015/7/14</a:t>
             </a:fld>
             <a:endParaRPr lang="zh-CN" altLang="en-US"/>
           </a:p>
@@ -1951,7 +1951,7 @@
           <a:p>
             <a:fld id="{530820CF-B880-4189-942D-D702A7CBA730}" type="datetimeFigureOut">
               <a:rPr lang="zh-CN" altLang="en-US" smtClean="0"/>
-              <a:t>2015/7/13</a:t>
+              <a:t>2015/7/14</a:t>
             </a:fld>
             <a:endParaRPr lang="zh-CN" altLang="en-US"/>
           </a:p>
@@ -2223,7 +2223,7 @@
           <a:p>
             <a:fld id="{530820CF-B880-4189-942D-D702A7CBA730}" type="datetimeFigureOut">
               <a:rPr lang="zh-CN" altLang="en-US" smtClean="0"/>
-              <a:t>2015/7/13</a:t>
+              <a:t>2015/7/14</a:t>
             </a:fld>
             <a:endParaRPr lang="zh-CN" altLang="en-US"/>
           </a:p>
@@ -2471,7 +2471,7 @@
           <a:p>
             <a:fld id="{530820CF-B880-4189-942D-D702A7CBA730}" type="datetimeFigureOut">
               <a:rPr lang="zh-CN" altLang="en-US" smtClean="0"/>
-              <a:t>2015/7/13</a:t>
+              <a:t>2015/7/14</a:t>
             </a:fld>
             <a:endParaRPr lang="zh-CN" altLang="en-US"/>
           </a:p>
@@ -2688,7 +2688,7 @@
           <a:p>
             <a:fld id="{530820CF-B880-4189-942D-D702A7CBA730}" type="datetimeFigureOut">
               <a:rPr lang="zh-CN" altLang="en-US" smtClean="0"/>
-              <a:t>2015/7/13</a:t>
+              <a:t>2015/7/14</a:t>
             </a:fld>
             <a:endParaRPr lang="zh-CN" altLang="en-US"/>
           </a:p>
@@ -4431,11 +4431,7 @@
             </a:r>
             <a:r>
               <a:rPr lang="en-US" altLang="zh-CN" dirty="0" smtClean="0"/>
-              <a:t>        </a:t>
-            </a:r>
-            <a:r>
-              <a:rPr lang="en-US" altLang="zh-CN" dirty="0" smtClean="0"/>
-              <a:t>Winsock2</a:t>
+              <a:t>        Winsock2</a:t>
             </a:r>
             <a:r>
               <a:rPr lang="zh-CN" altLang="en-US" dirty="0"/>
